--- a/Study/OhMyZsh.pptx
+++ b/Study/OhMyZsh.pptx
@@ -2,10 +2,10 @@
 <file path=ppt/presentation.xml><?xml version="1.0" encoding="utf-8"?>
 <p:presentation xmlns:a="http://schemas.openxmlformats.org/drawingml/2006/main" xmlns:r="http://schemas.openxmlformats.org/officeDocument/2006/relationships" xmlns:p="http://schemas.openxmlformats.org/presentationml/2006/main" saveSubsetFonts="1">
   <p:sldMasterIdLst>
-    <p:sldMasterId id="2147483648" r:id="rId1"/>
+    <p:sldMasterId id="2147483660" r:id="rId1"/>
   </p:sldMasterIdLst>
   <p:notesMasterIdLst>
-    <p:notesMasterId r:id="rId17"/>
+    <p:notesMasterId r:id="rId18"/>
   </p:notesMasterIdLst>
   <p:sldIdLst>
     <p:sldId id="256" r:id="rId2"/>
@@ -22,15 +22,16 @@
     <p:sldId id="265" r:id="rId13"/>
     <p:sldId id="266" r:id="rId14"/>
     <p:sldId id="267" r:id="rId15"/>
-    <p:sldId id="269" r:id="rId16"/>
+    <p:sldId id="272" r:id="rId16"/>
+    <p:sldId id="269" r:id="rId17"/>
   </p:sldIdLst>
   <p:sldSz cx="12192000" cy="6858000"/>
   <p:notesSz cx="6858000" cy="9144000"/>
   <p:defaultTextStyle>
     <a:defPPr>
-      <a:defRPr lang="ko-KR"/>
+      <a:defRPr lang="en-US"/>
     </a:defPPr>
-    <a:lvl1pPr marL="0" algn="l" defTabSz="914400" rtl="0" eaLnBrk="1" latinLnBrk="1" hangingPunct="1">
+    <a:lvl1pPr marL="0" algn="l" defTabSz="457200" rtl="0" eaLnBrk="1" latinLnBrk="0" hangingPunct="1">
       <a:defRPr sz="1800" kern="1200">
         <a:solidFill>
           <a:schemeClr val="tx1"/>
@@ -40,7 +41,7 @@
         <a:cs typeface="+mn-cs"/>
       </a:defRPr>
     </a:lvl1pPr>
-    <a:lvl2pPr marL="457200" algn="l" defTabSz="914400" rtl="0" eaLnBrk="1" latinLnBrk="1" hangingPunct="1">
+    <a:lvl2pPr marL="457200" algn="l" defTabSz="457200" rtl="0" eaLnBrk="1" latinLnBrk="0" hangingPunct="1">
       <a:defRPr sz="1800" kern="1200">
         <a:solidFill>
           <a:schemeClr val="tx1"/>
@@ -50,7 +51,7 @@
         <a:cs typeface="+mn-cs"/>
       </a:defRPr>
     </a:lvl2pPr>
-    <a:lvl3pPr marL="914400" algn="l" defTabSz="914400" rtl="0" eaLnBrk="1" latinLnBrk="1" hangingPunct="1">
+    <a:lvl3pPr marL="914400" algn="l" defTabSz="457200" rtl="0" eaLnBrk="1" latinLnBrk="0" hangingPunct="1">
       <a:defRPr sz="1800" kern="1200">
         <a:solidFill>
           <a:schemeClr val="tx1"/>
@@ -60,7 +61,7 @@
         <a:cs typeface="+mn-cs"/>
       </a:defRPr>
     </a:lvl3pPr>
-    <a:lvl4pPr marL="1371600" algn="l" defTabSz="914400" rtl="0" eaLnBrk="1" latinLnBrk="1" hangingPunct="1">
+    <a:lvl4pPr marL="1371600" algn="l" defTabSz="457200" rtl="0" eaLnBrk="1" latinLnBrk="0" hangingPunct="1">
       <a:defRPr sz="1800" kern="1200">
         <a:solidFill>
           <a:schemeClr val="tx1"/>
@@ -70,7 +71,7 @@
         <a:cs typeface="+mn-cs"/>
       </a:defRPr>
     </a:lvl4pPr>
-    <a:lvl5pPr marL="1828800" algn="l" defTabSz="914400" rtl="0" eaLnBrk="1" latinLnBrk="1" hangingPunct="1">
+    <a:lvl5pPr marL="1828800" algn="l" defTabSz="457200" rtl="0" eaLnBrk="1" latinLnBrk="0" hangingPunct="1">
       <a:defRPr sz="1800" kern="1200">
         <a:solidFill>
           <a:schemeClr val="tx1"/>
@@ -80,7 +81,7 @@
         <a:cs typeface="+mn-cs"/>
       </a:defRPr>
     </a:lvl5pPr>
-    <a:lvl6pPr marL="2286000" algn="l" defTabSz="914400" rtl="0" eaLnBrk="1" latinLnBrk="1" hangingPunct="1">
+    <a:lvl6pPr marL="2286000" algn="l" defTabSz="457200" rtl="0" eaLnBrk="1" latinLnBrk="0" hangingPunct="1">
       <a:defRPr sz="1800" kern="1200">
         <a:solidFill>
           <a:schemeClr val="tx1"/>
@@ -90,7 +91,7 @@
         <a:cs typeface="+mn-cs"/>
       </a:defRPr>
     </a:lvl6pPr>
-    <a:lvl7pPr marL="2743200" algn="l" defTabSz="914400" rtl="0" eaLnBrk="1" latinLnBrk="1" hangingPunct="1">
+    <a:lvl7pPr marL="2743200" algn="l" defTabSz="457200" rtl="0" eaLnBrk="1" latinLnBrk="0" hangingPunct="1">
       <a:defRPr sz="1800" kern="1200">
         <a:solidFill>
           <a:schemeClr val="tx1"/>
@@ -100,7 +101,7 @@
         <a:cs typeface="+mn-cs"/>
       </a:defRPr>
     </a:lvl7pPr>
-    <a:lvl8pPr marL="3200400" algn="l" defTabSz="914400" rtl="0" eaLnBrk="1" latinLnBrk="1" hangingPunct="1">
+    <a:lvl8pPr marL="3200400" algn="l" defTabSz="457200" rtl="0" eaLnBrk="1" latinLnBrk="0" hangingPunct="1">
       <a:defRPr sz="1800" kern="1200">
         <a:solidFill>
           <a:schemeClr val="tx1"/>
@@ -110,7 +111,7 @@
         <a:cs typeface="+mn-cs"/>
       </a:defRPr>
     </a:lvl8pPr>
-    <a:lvl9pPr marL="3657600" algn="l" defTabSz="914400" rtl="0" eaLnBrk="1" latinLnBrk="1" hangingPunct="1">
+    <a:lvl9pPr marL="3657600" algn="l" defTabSz="457200" rtl="0" eaLnBrk="1" latinLnBrk="0" hangingPunct="1">
       <a:defRPr sz="1800" kern="1200">
         <a:solidFill>
           <a:schemeClr val="tx1"/>
@@ -211,7 +212,7 @@
           <a:p>
             <a:fld id="{860F6261-D752-47FA-9360-477C4FC813A0}" type="datetimeFigureOut">
               <a:rPr lang="ko-KR" altLang="en-US" smtClean="0"/>
-              <a:t>2018-12-05</a:t>
+              <a:t>2018-12-06</a:t>
             </a:fld>
             <a:endParaRPr lang="ko-KR" altLang="en-US"/>
           </a:p>
@@ -1084,6 +1085,101 @@
             <a:pPr marL="0" indent="0">
               <a:buNone/>
             </a:pPr>
+            <a:endParaRPr lang="en-US" altLang="ko-KR" sz="1200" b="0" i="0" kern="1200" dirty="0">
+              <a:solidFill>
+                <a:schemeClr val="tx1"/>
+              </a:solidFill>
+              <a:effectLst/>
+              <a:latin typeface="+mn-lt"/>
+              <a:ea typeface="+mn-ea"/>
+              <a:cs typeface="+mn-cs"/>
+            </a:endParaRPr>
+          </a:p>
+        </p:txBody>
+      </p:sp>
+      <p:sp>
+        <p:nvSpPr>
+          <p:cNvPr id="4" name="슬라이드 번호 개체 틀 3"/>
+          <p:cNvSpPr>
+            <a:spLocks noGrp="1"/>
+          </p:cNvSpPr>
+          <p:nvPr>
+            <p:ph type="sldNum" sz="quarter" idx="5"/>
+          </p:nvPr>
+        </p:nvSpPr>
+        <p:spPr/>
+        <p:txBody>
+          <a:bodyPr/>
+          <a:lstStyle/>
+          <a:p>
+            <a:fld id="{AF4B4130-2D9F-4E6D-9707-8718AD09D43C}" type="slidenum">
+              <a:rPr lang="ko-KR" altLang="en-US" smtClean="0"/>
+              <a:t>15</a:t>
+            </a:fld>
+            <a:endParaRPr lang="ko-KR" altLang="en-US"/>
+          </a:p>
+        </p:txBody>
+      </p:sp>
+    </p:spTree>
+    <p:extLst>
+      <p:ext uri="{BB962C8B-B14F-4D97-AF65-F5344CB8AC3E}">
+        <p14:creationId xmlns:p14="http://schemas.microsoft.com/office/powerpoint/2010/main" val="3560057552"/>
+      </p:ext>
+    </p:extLst>
+  </p:cSld>
+  <p:clrMapOvr>
+    <a:masterClrMapping/>
+  </p:clrMapOvr>
+</p:notes>
+</file>
+
+<file path=ppt/notesSlides/notesSlide16.xml><?xml version="1.0" encoding="utf-8"?>
+<p:notes xmlns:a="http://schemas.openxmlformats.org/drawingml/2006/main" xmlns:r="http://schemas.openxmlformats.org/officeDocument/2006/relationships" xmlns:p="http://schemas.openxmlformats.org/presentationml/2006/main">
+  <p:cSld>
+    <p:spTree>
+      <p:nvGrpSpPr>
+        <p:cNvPr id="1" name=""/>
+        <p:cNvGrpSpPr/>
+        <p:nvPr/>
+      </p:nvGrpSpPr>
+      <p:grpSpPr>
+        <a:xfrm>
+          <a:off x="0" y="0"/>
+          <a:ext cx="0" cy="0"/>
+          <a:chOff x="0" y="0"/>
+          <a:chExt cx="0" cy="0"/>
+        </a:xfrm>
+      </p:grpSpPr>
+      <p:sp>
+        <p:nvSpPr>
+          <p:cNvPr id="2" name="슬라이드 이미지 개체 틀 1"/>
+          <p:cNvSpPr>
+            <a:spLocks noGrp="1" noRot="1" noChangeAspect="1"/>
+          </p:cNvSpPr>
+          <p:nvPr>
+            <p:ph type="sldImg"/>
+          </p:nvPr>
+        </p:nvSpPr>
+        <p:spPr/>
+      </p:sp>
+      <p:sp>
+        <p:nvSpPr>
+          <p:cNvPr id="3" name="슬라이드 노트 개체 틀 2"/>
+          <p:cNvSpPr>
+            <a:spLocks noGrp="1"/>
+          </p:cNvSpPr>
+          <p:nvPr>
+            <p:ph type="body" idx="1"/>
+          </p:nvPr>
+        </p:nvSpPr>
+        <p:spPr/>
+        <p:txBody>
+          <a:bodyPr/>
+          <a:lstStyle/>
+          <a:p>
+            <a:pPr marL="0" indent="0">
+              <a:buNone/>
+            </a:pPr>
             <a:r>
               <a:rPr lang="ko-KR" altLang="en-US" sz="1200" b="0" i="0" kern="1200" dirty="0">
                 <a:solidFill>
@@ -1350,7 +1446,7 @@
           <a:p>
             <a:fld id="{AF4B4130-2D9F-4E6D-9707-8718AD09D43C}" type="slidenum">
               <a:rPr lang="ko-KR" altLang="en-US" smtClean="0"/>
-              <a:t>15</a:t>
+              <a:t>16</a:t>
             </a:fld>
             <a:endParaRPr lang="ko-KR" altLang="en-US"/>
           </a:p>
@@ -2236,13 +2332,7 @@
       </p:grpSpPr>
       <p:sp>
         <p:nvSpPr>
-          <p:cNvPr id="2" name="제목 1">
-            <a:extLst>
-              <a:ext uri="{FF2B5EF4-FFF2-40B4-BE49-F238E27FC236}">
-                <a16:creationId xmlns:a16="http://schemas.microsoft.com/office/drawing/2014/main" id="{69257822-D8A5-481D-BA36-C90E414DBA6F}"/>
-              </a:ext>
-            </a:extLst>
-          </p:cNvPr>
+          <p:cNvPr id="2" name="Title 1"/>
           <p:cNvSpPr>
             <a:spLocks noGrp="1"/>
           </p:cNvSpPr>
@@ -2268,18 +2358,13 @@
               <a:rPr lang="ko-KR" altLang="en-US"/>
               <a:t>마스터 제목 스타일 편집</a:t>
             </a:r>
-          </a:p>
-        </p:txBody>
-      </p:sp>
-      <p:sp>
-        <p:nvSpPr>
-          <p:cNvPr id="3" name="부제목 2">
-            <a:extLst>
-              <a:ext uri="{FF2B5EF4-FFF2-40B4-BE49-F238E27FC236}">
-                <a16:creationId xmlns:a16="http://schemas.microsoft.com/office/drawing/2014/main" id="{9CBD7DDC-5F88-469F-9EA1-8AB8E14E2F06}"/>
-              </a:ext>
-            </a:extLst>
-          </p:cNvPr>
+            <a:endParaRPr lang="en-US" dirty="0"/>
+          </a:p>
+        </p:txBody>
+      </p:sp>
+      <p:sp>
+        <p:nvSpPr>
+          <p:cNvPr id="3" name="Subtitle 2"/>
           <p:cNvSpPr>
             <a:spLocks noGrp="1"/>
           </p:cNvSpPr>
@@ -2338,18 +2423,13 @@
               <a:rPr lang="ko-KR" altLang="en-US"/>
               <a:t>클릭하여 마스터 부제목 스타일 편집</a:t>
             </a:r>
-          </a:p>
-        </p:txBody>
-      </p:sp>
-      <p:sp>
-        <p:nvSpPr>
-          <p:cNvPr id="4" name="날짜 개체 틀 3">
-            <a:extLst>
-              <a:ext uri="{FF2B5EF4-FFF2-40B4-BE49-F238E27FC236}">
-                <a16:creationId xmlns:a16="http://schemas.microsoft.com/office/drawing/2014/main" id="{69FCB5D2-9425-4F90-8409-A9FF936057DE}"/>
-              </a:ext>
-            </a:extLst>
-          </p:cNvPr>
+            <a:endParaRPr lang="en-US" dirty="0"/>
+          </a:p>
+        </p:txBody>
+      </p:sp>
+      <p:sp>
+        <p:nvSpPr>
+          <p:cNvPr id="4" name="Date Placeholder 3"/>
           <p:cNvSpPr>
             <a:spLocks noGrp="1"/>
           </p:cNvSpPr>
@@ -2364,7 +2444,7 @@
           <a:p>
             <a:fld id="{7375CF92-EF9A-4E7C-8197-9037C088131F}" type="datetimeFigureOut">
               <a:rPr lang="ko-KR" altLang="en-US" smtClean="0"/>
-              <a:t>2018-12-05</a:t>
+              <a:t>2018-12-06</a:t>
             </a:fld>
             <a:endParaRPr lang="ko-KR" altLang="en-US"/>
           </a:p>
@@ -2372,13 +2452,7 @@
       </p:sp>
       <p:sp>
         <p:nvSpPr>
-          <p:cNvPr id="5" name="바닥글 개체 틀 4">
-            <a:extLst>
-              <a:ext uri="{FF2B5EF4-FFF2-40B4-BE49-F238E27FC236}">
-                <a16:creationId xmlns:a16="http://schemas.microsoft.com/office/drawing/2014/main" id="{6E57DBD4-7719-4853-986B-5E9FD74E97E6}"/>
-              </a:ext>
-            </a:extLst>
-          </p:cNvPr>
+          <p:cNvPr id="5" name="Footer Placeholder 4"/>
           <p:cNvSpPr>
             <a:spLocks noGrp="1"/>
           </p:cNvSpPr>
@@ -2397,13 +2471,7 @@
       </p:sp>
       <p:sp>
         <p:nvSpPr>
-          <p:cNvPr id="6" name="슬라이드 번호 개체 틀 5">
-            <a:extLst>
-              <a:ext uri="{FF2B5EF4-FFF2-40B4-BE49-F238E27FC236}">
-                <a16:creationId xmlns:a16="http://schemas.microsoft.com/office/drawing/2014/main" id="{D3D757AA-6262-49A7-B196-98371B0865E5}"/>
-              </a:ext>
-            </a:extLst>
-          </p:cNvPr>
+          <p:cNvPr id="6" name="Slide Number Placeholder 5"/>
           <p:cNvSpPr>
             <a:spLocks noGrp="1"/>
           </p:cNvSpPr>
@@ -2427,7 +2495,7 @@
     </p:spTree>
     <p:extLst>
       <p:ext uri="{BB962C8B-B14F-4D97-AF65-F5344CB8AC3E}">
-        <p14:creationId xmlns:p14="http://schemas.microsoft.com/office/powerpoint/2010/main" val="3935075648"/>
+        <p14:creationId xmlns:p14="http://schemas.microsoft.com/office/powerpoint/2010/main" val="638847896"/>
       </p:ext>
     </p:extLst>
   </p:cSld>
@@ -2456,13 +2524,7 @@
       </p:grpSpPr>
       <p:sp>
         <p:nvSpPr>
-          <p:cNvPr id="2" name="제목 1">
-            <a:extLst>
-              <a:ext uri="{FF2B5EF4-FFF2-40B4-BE49-F238E27FC236}">
-                <a16:creationId xmlns:a16="http://schemas.microsoft.com/office/drawing/2014/main" id="{01436AB3-2D36-433A-9104-DEED821EF069}"/>
-              </a:ext>
-            </a:extLst>
-          </p:cNvPr>
+          <p:cNvPr id="2" name="Title 1"/>
           <p:cNvSpPr>
             <a:spLocks noGrp="1"/>
           </p:cNvSpPr>
@@ -2479,18 +2541,13 @@
               <a:rPr lang="ko-KR" altLang="en-US"/>
               <a:t>마스터 제목 스타일 편집</a:t>
             </a:r>
-          </a:p>
-        </p:txBody>
-      </p:sp>
-      <p:sp>
-        <p:nvSpPr>
-          <p:cNvPr id="3" name="세로 텍스트 개체 틀 2">
-            <a:extLst>
-              <a:ext uri="{FF2B5EF4-FFF2-40B4-BE49-F238E27FC236}">
-                <a16:creationId xmlns:a16="http://schemas.microsoft.com/office/drawing/2014/main" id="{9DE1A5A2-EEE7-4B3E-A56B-620EDEC7EFD0}"/>
-              </a:ext>
-            </a:extLst>
-          </p:cNvPr>
+            <a:endParaRPr lang="en-US" dirty="0"/>
+          </a:p>
+        </p:txBody>
+      </p:sp>
+      <p:sp>
+        <p:nvSpPr>
+          <p:cNvPr id="3" name="Vertical Text Placeholder 2"/>
           <p:cNvSpPr>
             <a:spLocks noGrp="1"/>
           </p:cNvSpPr>
@@ -2536,18 +2593,13 @@
               <a:rPr lang="ko-KR" altLang="en-US"/>
               <a:t>다섯째 수준</a:t>
             </a:r>
-          </a:p>
-        </p:txBody>
-      </p:sp>
-      <p:sp>
-        <p:nvSpPr>
-          <p:cNvPr id="4" name="날짜 개체 틀 3">
-            <a:extLst>
-              <a:ext uri="{FF2B5EF4-FFF2-40B4-BE49-F238E27FC236}">
-                <a16:creationId xmlns:a16="http://schemas.microsoft.com/office/drawing/2014/main" id="{43C74203-4459-4D78-8A50-860358F7E633}"/>
-              </a:ext>
-            </a:extLst>
-          </p:cNvPr>
+            <a:endParaRPr lang="en-US" dirty="0"/>
+          </a:p>
+        </p:txBody>
+      </p:sp>
+      <p:sp>
+        <p:nvSpPr>
+          <p:cNvPr id="4" name="Date Placeholder 3"/>
           <p:cNvSpPr>
             <a:spLocks noGrp="1"/>
           </p:cNvSpPr>
@@ -2562,7 +2614,7 @@
           <a:p>
             <a:fld id="{7375CF92-EF9A-4E7C-8197-9037C088131F}" type="datetimeFigureOut">
               <a:rPr lang="ko-KR" altLang="en-US" smtClean="0"/>
-              <a:t>2018-12-05</a:t>
+              <a:t>2018-12-06</a:t>
             </a:fld>
             <a:endParaRPr lang="ko-KR" altLang="en-US"/>
           </a:p>
@@ -2570,13 +2622,7 @@
       </p:sp>
       <p:sp>
         <p:nvSpPr>
-          <p:cNvPr id="5" name="바닥글 개체 틀 4">
-            <a:extLst>
-              <a:ext uri="{FF2B5EF4-FFF2-40B4-BE49-F238E27FC236}">
-                <a16:creationId xmlns:a16="http://schemas.microsoft.com/office/drawing/2014/main" id="{9818958F-A477-463D-8773-45A37AF269ED}"/>
-              </a:ext>
-            </a:extLst>
-          </p:cNvPr>
+          <p:cNvPr id="5" name="Footer Placeholder 4"/>
           <p:cNvSpPr>
             <a:spLocks noGrp="1"/>
           </p:cNvSpPr>
@@ -2595,13 +2641,7 @@
       </p:sp>
       <p:sp>
         <p:nvSpPr>
-          <p:cNvPr id="6" name="슬라이드 번호 개체 틀 5">
-            <a:extLst>
-              <a:ext uri="{FF2B5EF4-FFF2-40B4-BE49-F238E27FC236}">
-                <a16:creationId xmlns:a16="http://schemas.microsoft.com/office/drawing/2014/main" id="{D08FA9A4-69EC-4067-8C92-DB28C4518572}"/>
-              </a:ext>
-            </a:extLst>
-          </p:cNvPr>
+          <p:cNvPr id="6" name="Slide Number Placeholder 5"/>
           <p:cNvSpPr>
             <a:spLocks noGrp="1"/>
           </p:cNvSpPr>
@@ -2625,7 +2665,7 @@
     </p:spTree>
     <p:extLst>
       <p:ext uri="{BB962C8B-B14F-4D97-AF65-F5344CB8AC3E}">
-        <p14:creationId xmlns:p14="http://schemas.microsoft.com/office/powerpoint/2010/main" val="128042393"/>
+        <p14:creationId xmlns:p14="http://schemas.microsoft.com/office/powerpoint/2010/main" val="3790487725"/>
       </p:ext>
     </p:extLst>
   </p:cSld>
@@ -2654,13 +2694,7 @@
       </p:grpSpPr>
       <p:sp>
         <p:nvSpPr>
-          <p:cNvPr id="2" name="세로 제목 1">
-            <a:extLst>
-              <a:ext uri="{FF2B5EF4-FFF2-40B4-BE49-F238E27FC236}">
-                <a16:creationId xmlns:a16="http://schemas.microsoft.com/office/drawing/2014/main" id="{7AAA54C7-3643-48C8-8052-EB93630C7F40}"/>
-              </a:ext>
-            </a:extLst>
-          </p:cNvPr>
+          <p:cNvPr id="2" name="Vertical Title 1"/>
           <p:cNvSpPr>
             <a:spLocks noGrp="1"/>
           </p:cNvSpPr>
@@ -2682,18 +2716,13 @@
               <a:rPr lang="ko-KR" altLang="en-US"/>
               <a:t>마스터 제목 스타일 편집</a:t>
             </a:r>
-          </a:p>
-        </p:txBody>
-      </p:sp>
-      <p:sp>
-        <p:nvSpPr>
-          <p:cNvPr id="3" name="세로 텍스트 개체 틀 2">
-            <a:extLst>
-              <a:ext uri="{FF2B5EF4-FFF2-40B4-BE49-F238E27FC236}">
-                <a16:creationId xmlns:a16="http://schemas.microsoft.com/office/drawing/2014/main" id="{39013759-0B2E-4656-BA58-E33200C241F9}"/>
-              </a:ext>
-            </a:extLst>
-          </p:cNvPr>
+            <a:endParaRPr lang="en-US" dirty="0"/>
+          </a:p>
+        </p:txBody>
+      </p:sp>
+      <p:sp>
+        <p:nvSpPr>
+          <p:cNvPr id="3" name="Vertical Text Placeholder 2"/>
           <p:cNvSpPr>
             <a:spLocks noGrp="1"/>
           </p:cNvSpPr>
@@ -2744,18 +2773,13 @@
               <a:rPr lang="ko-KR" altLang="en-US"/>
               <a:t>다섯째 수준</a:t>
             </a:r>
-          </a:p>
-        </p:txBody>
-      </p:sp>
-      <p:sp>
-        <p:nvSpPr>
-          <p:cNvPr id="4" name="날짜 개체 틀 3">
-            <a:extLst>
-              <a:ext uri="{FF2B5EF4-FFF2-40B4-BE49-F238E27FC236}">
-                <a16:creationId xmlns:a16="http://schemas.microsoft.com/office/drawing/2014/main" id="{3E3EBCD9-6750-468E-8B72-7BF9AD586752}"/>
-              </a:ext>
-            </a:extLst>
-          </p:cNvPr>
+            <a:endParaRPr lang="en-US" dirty="0"/>
+          </a:p>
+        </p:txBody>
+      </p:sp>
+      <p:sp>
+        <p:nvSpPr>
+          <p:cNvPr id="4" name="Date Placeholder 3"/>
           <p:cNvSpPr>
             <a:spLocks noGrp="1"/>
           </p:cNvSpPr>
@@ -2770,7 +2794,7 @@
           <a:p>
             <a:fld id="{7375CF92-EF9A-4E7C-8197-9037C088131F}" type="datetimeFigureOut">
               <a:rPr lang="ko-KR" altLang="en-US" smtClean="0"/>
-              <a:t>2018-12-05</a:t>
+              <a:t>2018-12-06</a:t>
             </a:fld>
             <a:endParaRPr lang="ko-KR" altLang="en-US"/>
           </a:p>
@@ -2778,13 +2802,7 @@
       </p:sp>
       <p:sp>
         <p:nvSpPr>
-          <p:cNvPr id="5" name="바닥글 개체 틀 4">
-            <a:extLst>
-              <a:ext uri="{FF2B5EF4-FFF2-40B4-BE49-F238E27FC236}">
-                <a16:creationId xmlns:a16="http://schemas.microsoft.com/office/drawing/2014/main" id="{BFF98D15-558C-45BF-8C9F-6384E08F740B}"/>
-              </a:ext>
-            </a:extLst>
-          </p:cNvPr>
+          <p:cNvPr id="5" name="Footer Placeholder 4"/>
           <p:cNvSpPr>
             <a:spLocks noGrp="1"/>
           </p:cNvSpPr>
@@ -2803,13 +2821,7 @@
       </p:sp>
       <p:sp>
         <p:nvSpPr>
-          <p:cNvPr id="6" name="슬라이드 번호 개체 틀 5">
-            <a:extLst>
-              <a:ext uri="{FF2B5EF4-FFF2-40B4-BE49-F238E27FC236}">
-                <a16:creationId xmlns:a16="http://schemas.microsoft.com/office/drawing/2014/main" id="{C6FFBBBD-D841-48EC-838D-E6F2DECFE24E}"/>
-              </a:ext>
-            </a:extLst>
-          </p:cNvPr>
+          <p:cNvPr id="6" name="Slide Number Placeholder 5"/>
           <p:cNvSpPr>
             <a:spLocks noGrp="1"/>
           </p:cNvSpPr>
@@ -2833,7 +2845,7 @@
     </p:spTree>
     <p:extLst>
       <p:ext uri="{BB962C8B-B14F-4D97-AF65-F5344CB8AC3E}">
-        <p14:creationId xmlns:p14="http://schemas.microsoft.com/office/powerpoint/2010/main" val="2099472323"/>
+        <p14:creationId xmlns:p14="http://schemas.microsoft.com/office/powerpoint/2010/main" val="745574450"/>
       </p:ext>
     </p:extLst>
   </p:cSld>
@@ -2862,13 +2874,7 @@
       </p:grpSpPr>
       <p:sp>
         <p:nvSpPr>
-          <p:cNvPr id="2" name="제목 1">
-            <a:extLst>
-              <a:ext uri="{FF2B5EF4-FFF2-40B4-BE49-F238E27FC236}">
-                <a16:creationId xmlns:a16="http://schemas.microsoft.com/office/drawing/2014/main" id="{3BB4653E-766C-48D1-BC0F-AE48F5C259A3}"/>
-              </a:ext>
-            </a:extLst>
-          </p:cNvPr>
+          <p:cNvPr id="2" name="Title 1"/>
           <p:cNvSpPr>
             <a:spLocks noGrp="1"/>
           </p:cNvSpPr>
@@ -2885,18 +2891,13 @@
               <a:rPr lang="ko-KR" altLang="en-US"/>
               <a:t>마스터 제목 스타일 편집</a:t>
             </a:r>
-          </a:p>
-        </p:txBody>
-      </p:sp>
-      <p:sp>
-        <p:nvSpPr>
-          <p:cNvPr id="3" name="내용 개체 틀 2">
-            <a:extLst>
-              <a:ext uri="{FF2B5EF4-FFF2-40B4-BE49-F238E27FC236}">
-                <a16:creationId xmlns:a16="http://schemas.microsoft.com/office/drawing/2014/main" id="{669CBE09-9DDA-4718-B750-28FF5D85CF73}"/>
-              </a:ext>
-            </a:extLst>
-          </p:cNvPr>
+            <a:endParaRPr lang="en-US" dirty="0"/>
+          </a:p>
+        </p:txBody>
+      </p:sp>
+      <p:sp>
+        <p:nvSpPr>
+          <p:cNvPr id="3" name="Content Placeholder 2"/>
           <p:cNvSpPr>
             <a:spLocks noGrp="1"/>
           </p:cNvSpPr>
@@ -2942,18 +2943,13 @@
               <a:rPr lang="ko-KR" altLang="en-US"/>
               <a:t>다섯째 수준</a:t>
             </a:r>
-          </a:p>
-        </p:txBody>
-      </p:sp>
-      <p:sp>
-        <p:nvSpPr>
-          <p:cNvPr id="4" name="날짜 개체 틀 3">
-            <a:extLst>
-              <a:ext uri="{FF2B5EF4-FFF2-40B4-BE49-F238E27FC236}">
-                <a16:creationId xmlns:a16="http://schemas.microsoft.com/office/drawing/2014/main" id="{2406D7E7-9F96-4240-8E31-FD778D7035CF}"/>
-              </a:ext>
-            </a:extLst>
-          </p:cNvPr>
+            <a:endParaRPr lang="en-US" dirty="0"/>
+          </a:p>
+        </p:txBody>
+      </p:sp>
+      <p:sp>
+        <p:nvSpPr>
+          <p:cNvPr id="4" name="Date Placeholder 3"/>
           <p:cNvSpPr>
             <a:spLocks noGrp="1"/>
           </p:cNvSpPr>
@@ -2968,7 +2964,7 @@
           <a:p>
             <a:fld id="{7375CF92-EF9A-4E7C-8197-9037C088131F}" type="datetimeFigureOut">
               <a:rPr lang="ko-KR" altLang="en-US" smtClean="0"/>
-              <a:t>2018-12-05</a:t>
+              <a:t>2018-12-06</a:t>
             </a:fld>
             <a:endParaRPr lang="ko-KR" altLang="en-US"/>
           </a:p>
@@ -2976,13 +2972,7 @@
       </p:sp>
       <p:sp>
         <p:nvSpPr>
-          <p:cNvPr id="5" name="바닥글 개체 틀 4">
-            <a:extLst>
-              <a:ext uri="{FF2B5EF4-FFF2-40B4-BE49-F238E27FC236}">
-                <a16:creationId xmlns:a16="http://schemas.microsoft.com/office/drawing/2014/main" id="{AB26F533-E66D-4EBC-AF5D-1B0C7F104A9F}"/>
-              </a:ext>
-            </a:extLst>
-          </p:cNvPr>
+          <p:cNvPr id="5" name="Footer Placeholder 4"/>
           <p:cNvSpPr>
             <a:spLocks noGrp="1"/>
           </p:cNvSpPr>
@@ -3001,13 +2991,7 @@
       </p:sp>
       <p:sp>
         <p:nvSpPr>
-          <p:cNvPr id="6" name="슬라이드 번호 개체 틀 5">
-            <a:extLst>
-              <a:ext uri="{FF2B5EF4-FFF2-40B4-BE49-F238E27FC236}">
-                <a16:creationId xmlns:a16="http://schemas.microsoft.com/office/drawing/2014/main" id="{41E494DE-DE35-47FC-828E-6DD74579BF3B}"/>
-              </a:ext>
-            </a:extLst>
-          </p:cNvPr>
+          <p:cNvPr id="6" name="Slide Number Placeholder 5"/>
           <p:cNvSpPr>
             <a:spLocks noGrp="1"/>
           </p:cNvSpPr>
@@ -3031,7 +3015,7 @@
     </p:spTree>
     <p:extLst>
       <p:ext uri="{BB962C8B-B14F-4D97-AF65-F5344CB8AC3E}">
-        <p14:creationId xmlns:p14="http://schemas.microsoft.com/office/powerpoint/2010/main" val="1997897805"/>
+        <p14:creationId xmlns:p14="http://schemas.microsoft.com/office/powerpoint/2010/main" val="2449578436"/>
       </p:ext>
     </p:extLst>
   </p:cSld>
@@ -3060,13 +3044,7 @@
       </p:grpSpPr>
       <p:sp>
         <p:nvSpPr>
-          <p:cNvPr id="2" name="제목 1">
-            <a:extLst>
-              <a:ext uri="{FF2B5EF4-FFF2-40B4-BE49-F238E27FC236}">
-                <a16:creationId xmlns:a16="http://schemas.microsoft.com/office/drawing/2014/main" id="{522DADA3-0786-4BD2-AE68-9978015F5435}"/>
-              </a:ext>
-            </a:extLst>
-          </p:cNvPr>
+          <p:cNvPr id="2" name="Title 1"/>
           <p:cNvSpPr>
             <a:spLocks noGrp="1"/>
           </p:cNvSpPr>
@@ -3092,18 +3070,13 @@
               <a:rPr lang="ko-KR" altLang="en-US"/>
               <a:t>마스터 제목 스타일 편집</a:t>
             </a:r>
-          </a:p>
-        </p:txBody>
-      </p:sp>
-      <p:sp>
-        <p:nvSpPr>
-          <p:cNvPr id="3" name="텍스트 개체 틀 2">
-            <a:extLst>
-              <a:ext uri="{FF2B5EF4-FFF2-40B4-BE49-F238E27FC236}">
-                <a16:creationId xmlns:a16="http://schemas.microsoft.com/office/drawing/2014/main" id="{98641DB3-8EDC-4DC5-8678-767F676E987C}"/>
-              </a:ext>
-            </a:extLst>
-          </p:cNvPr>
+            <a:endParaRPr lang="en-US" dirty="0"/>
+          </a:p>
+        </p:txBody>
+      </p:sp>
+      <p:sp>
+        <p:nvSpPr>
+          <p:cNvPr id="3" name="Text Placeholder 2"/>
           <p:cNvSpPr>
             <a:spLocks noGrp="1"/>
           </p:cNvSpPr>
@@ -3222,13 +3195,7 @@
       </p:sp>
       <p:sp>
         <p:nvSpPr>
-          <p:cNvPr id="4" name="날짜 개체 틀 3">
-            <a:extLst>
-              <a:ext uri="{FF2B5EF4-FFF2-40B4-BE49-F238E27FC236}">
-                <a16:creationId xmlns:a16="http://schemas.microsoft.com/office/drawing/2014/main" id="{29A569FC-924A-456B-9305-DBF283DD0C10}"/>
-              </a:ext>
-            </a:extLst>
-          </p:cNvPr>
+          <p:cNvPr id="4" name="Date Placeholder 3"/>
           <p:cNvSpPr>
             <a:spLocks noGrp="1"/>
           </p:cNvSpPr>
@@ -3243,7 +3210,7 @@
           <a:p>
             <a:fld id="{7375CF92-EF9A-4E7C-8197-9037C088131F}" type="datetimeFigureOut">
               <a:rPr lang="ko-KR" altLang="en-US" smtClean="0"/>
-              <a:t>2018-12-05</a:t>
+              <a:t>2018-12-06</a:t>
             </a:fld>
             <a:endParaRPr lang="ko-KR" altLang="en-US"/>
           </a:p>
@@ -3251,13 +3218,7 @@
       </p:sp>
       <p:sp>
         <p:nvSpPr>
-          <p:cNvPr id="5" name="바닥글 개체 틀 4">
-            <a:extLst>
-              <a:ext uri="{FF2B5EF4-FFF2-40B4-BE49-F238E27FC236}">
-                <a16:creationId xmlns:a16="http://schemas.microsoft.com/office/drawing/2014/main" id="{A4ACA9BB-966A-405C-BE9B-2DD89C22B091}"/>
-              </a:ext>
-            </a:extLst>
-          </p:cNvPr>
+          <p:cNvPr id="5" name="Footer Placeholder 4"/>
           <p:cNvSpPr>
             <a:spLocks noGrp="1"/>
           </p:cNvSpPr>
@@ -3276,13 +3237,7 @@
       </p:sp>
       <p:sp>
         <p:nvSpPr>
-          <p:cNvPr id="6" name="슬라이드 번호 개체 틀 5">
-            <a:extLst>
-              <a:ext uri="{FF2B5EF4-FFF2-40B4-BE49-F238E27FC236}">
-                <a16:creationId xmlns:a16="http://schemas.microsoft.com/office/drawing/2014/main" id="{63AB0A04-1A4A-46F3-9492-EE757C4727E8}"/>
-              </a:ext>
-            </a:extLst>
-          </p:cNvPr>
+          <p:cNvPr id="6" name="Slide Number Placeholder 5"/>
           <p:cNvSpPr>
             <a:spLocks noGrp="1"/>
           </p:cNvSpPr>
@@ -3306,7 +3261,7 @@
     </p:spTree>
     <p:extLst>
       <p:ext uri="{BB962C8B-B14F-4D97-AF65-F5344CB8AC3E}">
-        <p14:creationId xmlns:p14="http://schemas.microsoft.com/office/powerpoint/2010/main" val="1968210036"/>
+        <p14:creationId xmlns:p14="http://schemas.microsoft.com/office/powerpoint/2010/main" val="1491530890"/>
       </p:ext>
     </p:extLst>
   </p:cSld>
@@ -3335,13 +3290,7 @@
       </p:grpSpPr>
       <p:sp>
         <p:nvSpPr>
-          <p:cNvPr id="2" name="제목 1">
-            <a:extLst>
-              <a:ext uri="{FF2B5EF4-FFF2-40B4-BE49-F238E27FC236}">
-                <a16:creationId xmlns:a16="http://schemas.microsoft.com/office/drawing/2014/main" id="{CFAAEAD0-28D0-4A9C-AA62-FFFDEA5082BD}"/>
-              </a:ext>
-            </a:extLst>
-          </p:cNvPr>
+          <p:cNvPr id="2" name="Title 1"/>
           <p:cNvSpPr>
             <a:spLocks noGrp="1"/>
           </p:cNvSpPr>
@@ -3358,18 +3307,13 @@
               <a:rPr lang="ko-KR" altLang="en-US"/>
               <a:t>마스터 제목 스타일 편집</a:t>
             </a:r>
-          </a:p>
-        </p:txBody>
-      </p:sp>
-      <p:sp>
-        <p:nvSpPr>
-          <p:cNvPr id="3" name="내용 개체 틀 2">
-            <a:extLst>
-              <a:ext uri="{FF2B5EF4-FFF2-40B4-BE49-F238E27FC236}">
-                <a16:creationId xmlns:a16="http://schemas.microsoft.com/office/drawing/2014/main" id="{B8D2E95A-34E4-458D-96E1-96F84CB1BCF8}"/>
-              </a:ext>
-            </a:extLst>
-          </p:cNvPr>
+            <a:endParaRPr lang="en-US" dirty="0"/>
+          </a:p>
+        </p:txBody>
+      </p:sp>
+      <p:sp>
+        <p:nvSpPr>
+          <p:cNvPr id="3" name="Content Placeholder 2"/>
           <p:cNvSpPr>
             <a:spLocks noGrp="1"/>
           </p:cNvSpPr>
@@ -3420,18 +3364,13 @@
               <a:rPr lang="ko-KR" altLang="en-US"/>
               <a:t>다섯째 수준</a:t>
             </a:r>
-          </a:p>
-        </p:txBody>
-      </p:sp>
-      <p:sp>
-        <p:nvSpPr>
-          <p:cNvPr id="4" name="내용 개체 틀 3">
-            <a:extLst>
-              <a:ext uri="{FF2B5EF4-FFF2-40B4-BE49-F238E27FC236}">
-                <a16:creationId xmlns:a16="http://schemas.microsoft.com/office/drawing/2014/main" id="{EA669CD2-6B74-4923-886C-5986F559F15F}"/>
-              </a:ext>
-            </a:extLst>
-          </p:cNvPr>
+            <a:endParaRPr lang="en-US" dirty="0"/>
+          </a:p>
+        </p:txBody>
+      </p:sp>
+      <p:sp>
+        <p:nvSpPr>
+          <p:cNvPr id="4" name="Content Placeholder 3"/>
           <p:cNvSpPr>
             <a:spLocks noGrp="1"/>
           </p:cNvSpPr>
@@ -3482,18 +3421,13 @@
               <a:rPr lang="ko-KR" altLang="en-US"/>
               <a:t>다섯째 수준</a:t>
             </a:r>
-          </a:p>
-        </p:txBody>
-      </p:sp>
-      <p:sp>
-        <p:nvSpPr>
-          <p:cNvPr id="5" name="날짜 개체 틀 4">
-            <a:extLst>
-              <a:ext uri="{FF2B5EF4-FFF2-40B4-BE49-F238E27FC236}">
-                <a16:creationId xmlns:a16="http://schemas.microsoft.com/office/drawing/2014/main" id="{1B508EE6-9F59-416C-9441-4101B50BC09C}"/>
-              </a:ext>
-            </a:extLst>
-          </p:cNvPr>
+            <a:endParaRPr lang="en-US" dirty="0"/>
+          </a:p>
+        </p:txBody>
+      </p:sp>
+      <p:sp>
+        <p:nvSpPr>
+          <p:cNvPr id="5" name="Date Placeholder 4"/>
           <p:cNvSpPr>
             <a:spLocks noGrp="1"/>
           </p:cNvSpPr>
@@ -3508,7 +3442,7 @@
           <a:p>
             <a:fld id="{7375CF92-EF9A-4E7C-8197-9037C088131F}" type="datetimeFigureOut">
               <a:rPr lang="ko-KR" altLang="en-US" smtClean="0"/>
-              <a:t>2018-12-05</a:t>
+              <a:t>2018-12-06</a:t>
             </a:fld>
             <a:endParaRPr lang="ko-KR" altLang="en-US"/>
           </a:p>
@@ -3516,13 +3450,7 @@
       </p:sp>
       <p:sp>
         <p:nvSpPr>
-          <p:cNvPr id="6" name="바닥글 개체 틀 5">
-            <a:extLst>
-              <a:ext uri="{FF2B5EF4-FFF2-40B4-BE49-F238E27FC236}">
-                <a16:creationId xmlns:a16="http://schemas.microsoft.com/office/drawing/2014/main" id="{BF9CA9E5-55CF-4976-931E-B424B5855390}"/>
-              </a:ext>
-            </a:extLst>
-          </p:cNvPr>
+          <p:cNvPr id="6" name="Footer Placeholder 5"/>
           <p:cNvSpPr>
             <a:spLocks noGrp="1"/>
           </p:cNvSpPr>
@@ -3541,13 +3469,7 @@
       </p:sp>
       <p:sp>
         <p:nvSpPr>
-          <p:cNvPr id="7" name="슬라이드 번호 개체 틀 6">
-            <a:extLst>
-              <a:ext uri="{FF2B5EF4-FFF2-40B4-BE49-F238E27FC236}">
-                <a16:creationId xmlns:a16="http://schemas.microsoft.com/office/drawing/2014/main" id="{BDD625D1-1071-4DE2-9833-78077BB4557F}"/>
-              </a:ext>
-            </a:extLst>
-          </p:cNvPr>
+          <p:cNvPr id="7" name="Slide Number Placeholder 6"/>
           <p:cNvSpPr>
             <a:spLocks noGrp="1"/>
           </p:cNvSpPr>
@@ -3571,7 +3493,7 @@
     </p:spTree>
     <p:extLst>
       <p:ext uri="{BB962C8B-B14F-4D97-AF65-F5344CB8AC3E}">
-        <p14:creationId xmlns:p14="http://schemas.microsoft.com/office/powerpoint/2010/main" val="1981796440"/>
+        <p14:creationId xmlns:p14="http://schemas.microsoft.com/office/powerpoint/2010/main" val="3500849289"/>
       </p:ext>
     </p:extLst>
   </p:cSld>
@@ -3600,13 +3522,7 @@
       </p:grpSpPr>
       <p:sp>
         <p:nvSpPr>
-          <p:cNvPr id="2" name="제목 1">
-            <a:extLst>
-              <a:ext uri="{FF2B5EF4-FFF2-40B4-BE49-F238E27FC236}">
-                <a16:creationId xmlns:a16="http://schemas.microsoft.com/office/drawing/2014/main" id="{C75682D0-8D4F-4402-928E-7103C9AA6394}"/>
-              </a:ext>
-            </a:extLst>
-          </p:cNvPr>
+          <p:cNvPr id="2" name="Title 1"/>
           <p:cNvSpPr>
             <a:spLocks noGrp="1"/>
           </p:cNvSpPr>
@@ -3628,18 +3544,13 @@
               <a:rPr lang="ko-KR" altLang="en-US"/>
               <a:t>마스터 제목 스타일 편집</a:t>
             </a:r>
-          </a:p>
-        </p:txBody>
-      </p:sp>
-      <p:sp>
-        <p:nvSpPr>
-          <p:cNvPr id="3" name="텍스트 개체 틀 2">
-            <a:extLst>
-              <a:ext uri="{FF2B5EF4-FFF2-40B4-BE49-F238E27FC236}">
-                <a16:creationId xmlns:a16="http://schemas.microsoft.com/office/drawing/2014/main" id="{69ACE8FC-47E4-43D4-927F-89902AD1861A}"/>
-              </a:ext>
-            </a:extLst>
-          </p:cNvPr>
+            <a:endParaRPr lang="en-US" dirty="0"/>
+          </a:p>
+        </p:txBody>
+      </p:sp>
+      <p:sp>
+        <p:nvSpPr>
+          <p:cNvPr id="3" name="Text Placeholder 2"/>
           <p:cNvSpPr>
             <a:spLocks noGrp="1"/>
           </p:cNvSpPr>
@@ -3704,13 +3615,7 @@
       </p:sp>
       <p:sp>
         <p:nvSpPr>
-          <p:cNvPr id="4" name="내용 개체 틀 3">
-            <a:extLst>
-              <a:ext uri="{FF2B5EF4-FFF2-40B4-BE49-F238E27FC236}">
-                <a16:creationId xmlns:a16="http://schemas.microsoft.com/office/drawing/2014/main" id="{37FE998C-2A78-4A17-925F-FD854E496F03}"/>
-              </a:ext>
-            </a:extLst>
-          </p:cNvPr>
+          <p:cNvPr id="4" name="Content Placeholder 3"/>
           <p:cNvSpPr>
             <a:spLocks noGrp="1"/>
           </p:cNvSpPr>
@@ -3761,18 +3666,13 @@
               <a:rPr lang="ko-KR" altLang="en-US"/>
               <a:t>다섯째 수준</a:t>
             </a:r>
-          </a:p>
-        </p:txBody>
-      </p:sp>
-      <p:sp>
-        <p:nvSpPr>
-          <p:cNvPr id="5" name="텍스트 개체 틀 4">
-            <a:extLst>
-              <a:ext uri="{FF2B5EF4-FFF2-40B4-BE49-F238E27FC236}">
-                <a16:creationId xmlns:a16="http://schemas.microsoft.com/office/drawing/2014/main" id="{68F90956-7C72-4D25-8822-4804A52EBCCF}"/>
-              </a:ext>
-            </a:extLst>
-          </p:cNvPr>
+            <a:endParaRPr lang="en-US" dirty="0"/>
+          </a:p>
+        </p:txBody>
+      </p:sp>
+      <p:sp>
+        <p:nvSpPr>
+          <p:cNvPr id="5" name="Text Placeholder 4"/>
           <p:cNvSpPr>
             <a:spLocks noGrp="1"/>
           </p:cNvSpPr>
@@ -3837,13 +3737,7 @@
       </p:sp>
       <p:sp>
         <p:nvSpPr>
-          <p:cNvPr id="6" name="내용 개체 틀 5">
-            <a:extLst>
-              <a:ext uri="{FF2B5EF4-FFF2-40B4-BE49-F238E27FC236}">
-                <a16:creationId xmlns:a16="http://schemas.microsoft.com/office/drawing/2014/main" id="{F6516EF2-D748-43CE-881E-27CC6DAC3669}"/>
-              </a:ext>
-            </a:extLst>
-          </p:cNvPr>
+          <p:cNvPr id="6" name="Content Placeholder 5"/>
           <p:cNvSpPr>
             <a:spLocks noGrp="1"/>
           </p:cNvSpPr>
@@ -3894,18 +3788,13 @@
               <a:rPr lang="ko-KR" altLang="en-US"/>
               <a:t>다섯째 수준</a:t>
             </a:r>
-          </a:p>
-        </p:txBody>
-      </p:sp>
-      <p:sp>
-        <p:nvSpPr>
-          <p:cNvPr id="7" name="날짜 개체 틀 6">
-            <a:extLst>
-              <a:ext uri="{FF2B5EF4-FFF2-40B4-BE49-F238E27FC236}">
-                <a16:creationId xmlns:a16="http://schemas.microsoft.com/office/drawing/2014/main" id="{6C37E3E1-A389-4FF0-B3E7-B1020F459F69}"/>
-              </a:ext>
-            </a:extLst>
-          </p:cNvPr>
+            <a:endParaRPr lang="en-US" dirty="0"/>
+          </a:p>
+        </p:txBody>
+      </p:sp>
+      <p:sp>
+        <p:nvSpPr>
+          <p:cNvPr id="7" name="Date Placeholder 6"/>
           <p:cNvSpPr>
             <a:spLocks noGrp="1"/>
           </p:cNvSpPr>
@@ -3920,7 +3809,7 @@
           <a:p>
             <a:fld id="{7375CF92-EF9A-4E7C-8197-9037C088131F}" type="datetimeFigureOut">
               <a:rPr lang="ko-KR" altLang="en-US" smtClean="0"/>
-              <a:t>2018-12-05</a:t>
+              <a:t>2018-12-06</a:t>
             </a:fld>
             <a:endParaRPr lang="ko-KR" altLang="en-US"/>
           </a:p>
@@ -3928,13 +3817,7 @@
       </p:sp>
       <p:sp>
         <p:nvSpPr>
-          <p:cNvPr id="8" name="바닥글 개체 틀 7">
-            <a:extLst>
-              <a:ext uri="{FF2B5EF4-FFF2-40B4-BE49-F238E27FC236}">
-                <a16:creationId xmlns:a16="http://schemas.microsoft.com/office/drawing/2014/main" id="{8358479B-3D9C-4915-8AED-B4DBC56A9196}"/>
-              </a:ext>
-            </a:extLst>
-          </p:cNvPr>
+          <p:cNvPr id="8" name="Footer Placeholder 7"/>
           <p:cNvSpPr>
             <a:spLocks noGrp="1"/>
           </p:cNvSpPr>
@@ -3953,13 +3836,7 @@
       </p:sp>
       <p:sp>
         <p:nvSpPr>
-          <p:cNvPr id="9" name="슬라이드 번호 개체 틀 8">
-            <a:extLst>
-              <a:ext uri="{FF2B5EF4-FFF2-40B4-BE49-F238E27FC236}">
-                <a16:creationId xmlns:a16="http://schemas.microsoft.com/office/drawing/2014/main" id="{C918C0A2-A939-431F-AD9C-091ED6A2310D}"/>
-              </a:ext>
-            </a:extLst>
-          </p:cNvPr>
+          <p:cNvPr id="9" name="Slide Number Placeholder 8"/>
           <p:cNvSpPr>
             <a:spLocks noGrp="1"/>
           </p:cNvSpPr>
@@ -3983,7 +3860,7 @@
     </p:spTree>
     <p:extLst>
       <p:ext uri="{BB962C8B-B14F-4D97-AF65-F5344CB8AC3E}">
-        <p14:creationId xmlns:p14="http://schemas.microsoft.com/office/powerpoint/2010/main" val="1145334066"/>
+        <p14:creationId xmlns:p14="http://schemas.microsoft.com/office/powerpoint/2010/main" val="1522355299"/>
       </p:ext>
     </p:extLst>
   </p:cSld>
@@ -4012,13 +3889,7 @@
       </p:grpSpPr>
       <p:sp>
         <p:nvSpPr>
-          <p:cNvPr id="2" name="제목 1">
-            <a:extLst>
-              <a:ext uri="{FF2B5EF4-FFF2-40B4-BE49-F238E27FC236}">
-                <a16:creationId xmlns:a16="http://schemas.microsoft.com/office/drawing/2014/main" id="{5A0BF1B0-6E4D-4DAB-9B81-620BE519B36E}"/>
-              </a:ext>
-            </a:extLst>
-          </p:cNvPr>
+          <p:cNvPr id="2" name="Title 1"/>
           <p:cNvSpPr>
             <a:spLocks noGrp="1"/>
           </p:cNvSpPr>
@@ -4035,18 +3906,13 @@
               <a:rPr lang="ko-KR" altLang="en-US"/>
               <a:t>마스터 제목 스타일 편집</a:t>
             </a:r>
-          </a:p>
-        </p:txBody>
-      </p:sp>
-      <p:sp>
-        <p:nvSpPr>
-          <p:cNvPr id="3" name="날짜 개체 틀 2">
-            <a:extLst>
-              <a:ext uri="{FF2B5EF4-FFF2-40B4-BE49-F238E27FC236}">
-                <a16:creationId xmlns:a16="http://schemas.microsoft.com/office/drawing/2014/main" id="{6B16E02F-9785-4EB4-8D91-DC634908FEE1}"/>
-              </a:ext>
-            </a:extLst>
-          </p:cNvPr>
+            <a:endParaRPr lang="en-US" dirty="0"/>
+          </a:p>
+        </p:txBody>
+      </p:sp>
+      <p:sp>
+        <p:nvSpPr>
+          <p:cNvPr id="3" name="Date Placeholder 2"/>
           <p:cNvSpPr>
             <a:spLocks noGrp="1"/>
           </p:cNvSpPr>
@@ -4061,7 +3927,7 @@
           <a:p>
             <a:fld id="{7375CF92-EF9A-4E7C-8197-9037C088131F}" type="datetimeFigureOut">
               <a:rPr lang="ko-KR" altLang="en-US" smtClean="0"/>
-              <a:t>2018-12-05</a:t>
+              <a:t>2018-12-06</a:t>
             </a:fld>
             <a:endParaRPr lang="ko-KR" altLang="en-US"/>
           </a:p>
@@ -4069,13 +3935,7 @@
       </p:sp>
       <p:sp>
         <p:nvSpPr>
-          <p:cNvPr id="4" name="바닥글 개체 틀 3">
-            <a:extLst>
-              <a:ext uri="{FF2B5EF4-FFF2-40B4-BE49-F238E27FC236}">
-                <a16:creationId xmlns:a16="http://schemas.microsoft.com/office/drawing/2014/main" id="{A3088743-BE9C-40F4-B178-DDEEE970BF8E}"/>
-              </a:ext>
-            </a:extLst>
-          </p:cNvPr>
+          <p:cNvPr id="4" name="Footer Placeholder 3"/>
           <p:cNvSpPr>
             <a:spLocks noGrp="1"/>
           </p:cNvSpPr>
@@ -4094,13 +3954,7 @@
       </p:sp>
       <p:sp>
         <p:nvSpPr>
-          <p:cNvPr id="5" name="슬라이드 번호 개체 틀 4">
-            <a:extLst>
-              <a:ext uri="{FF2B5EF4-FFF2-40B4-BE49-F238E27FC236}">
-                <a16:creationId xmlns:a16="http://schemas.microsoft.com/office/drawing/2014/main" id="{495CB12A-7269-49B2-99E5-EAEE06B98106}"/>
-              </a:ext>
-            </a:extLst>
-          </p:cNvPr>
+          <p:cNvPr id="5" name="Slide Number Placeholder 4"/>
           <p:cNvSpPr>
             <a:spLocks noGrp="1"/>
           </p:cNvSpPr>
@@ -4124,7 +3978,7 @@
     </p:spTree>
     <p:extLst>
       <p:ext uri="{BB962C8B-B14F-4D97-AF65-F5344CB8AC3E}">
-        <p14:creationId xmlns:p14="http://schemas.microsoft.com/office/powerpoint/2010/main" val="2858394683"/>
+        <p14:creationId xmlns:p14="http://schemas.microsoft.com/office/powerpoint/2010/main" val="3390387758"/>
       </p:ext>
     </p:extLst>
   </p:cSld>
@@ -4153,13 +4007,7 @@
       </p:grpSpPr>
       <p:sp>
         <p:nvSpPr>
-          <p:cNvPr id="2" name="날짜 개체 틀 1">
-            <a:extLst>
-              <a:ext uri="{FF2B5EF4-FFF2-40B4-BE49-F238E27FC236}">
-                <a16:creationId xmlns:a16="http://schemas.microsoft.com/office/drawing/2014/main" id="{5F1C3DE4-43CF-451A-9AE9-646677F420CB}"/>
-              </a:ext>
-            </a:extLst>
-          </p:cNvPr>
+          <p:cNvPr id="2" name="Date Placeholder 1"/>
           <p:cNvSpPr>
             <a:spLocks noGrp="1"/>
           </p:cNvSpPr>
@@ -4174,7 +4022,7 @@
           <a:p>
             <a:fld id="{7375CF92-EF9A-4E7C-8197-9037C088131F}" type="datetimeFigureOut">
               <a:rPr lang="ko-KR" altLang="en-US" smtClean="0"/>
-              <a:t>2018-12-05</a:t>
+              <a:t>2018-12-06</a:t>
             </a:fld>
             <a:endParaRPr lang="ko-KR" altLang="en-US"/>
           </a:p>
@@ -4182,13 +4030,7 @@
       </p:sp>
       <p:sp>
         <p:nvSpPr>
-          <p:cNvPr id="3" name="바닥글 개체 틀 2">
-            <a:extLst>
-              <a:ext uri="{FF2B5EF4-FFF2-40B4-BE49-F238E27FC236}">
-                <a16:creationId xmlns:a16="http://schemas.microsoft.com/office/drawing/2014/main" id="{637BED22-EF16-4E61-9A62-11C07111CA9D}"/>
-              </a:ext>
-            </a:extLst>
-          </p:cNvPr>
+          <p:cNvPr id="3" name="Footer Placeholder 2"/>
           <p:cNvSpPr>
             <a:spLocks noGrp="1"/>
           </p:cNvSpPr>
@@ -4207,13 +4049,7 @@
       </p:sp>
       <p:sp>
         <p:nvSpPr>
-          <p:cNvPr id="4" name="슬라이드 번호 개체 틀 3">
-            <a:extLst>
-              <a:ext uri="{FF2B5EF4-FFF2-40B4-BE49-F238E27FC236}">
-                <a16:creationId xmlns:a16="http://schemas.microsoft.com/office/drawing/2014/main" id="{F879102B-82FE-4D33-9C9A-69F3C3DE4B25}"/>
-              </a:ext>
-            </a:extLst>
-          </p:cNvPr>
+          <p:cNvPr id="4" name="Slide Number Placeholder 3"/>
           <p:cNvSpPr>
             <a:spLocks noGrp="1"/>
           </p:cNvSpPr>
@@ -4237,7 +4073,7 @@
     </p:spTree>
     <p:extLst>
       <p:ext uri="{BB962C8B-B14F-4D97-AF65-F5344CB8AC3E}">
-        <p14:creationId xmlns:p14="http://schemas.microsoft.com/office/powerpoint/2010/main" val="1085566181"/>
+        <p14:creationId xmlns:p14="http://schemas.microsoft.com/office/powerpoint/2010/main" val="2646916107"/>
       </p:ext>
     </p:extLst>
   </p:cSld>
@@ -4266,13 +4102,7 @@
       </p:grpSpPr>
       <p:sp>
         <p:nvSpPr>
-          <p:cNvPr id="2" name="제목 1">
-            <a:extLst>
-              <a:ext uri="{FF2B5EF4-FFF2-40B4-BE49-F238E27FC236}">
-                <a16:creationId xmlns:a16="http://schemas.microsoft.com/office/drawing/2014/main" id="{4005BD0F-F9ED-4C9C-A563-6BD6D4B78A10}"/>
-              </a:ext>
-            </a:extLst>
-          </p:cNvPr>
+          <p:cNvPr id="2" name="Title 1"/>
           <p:cNvSpPr>
             <a:spLocks noGrp="1"/>
           </p:cNvSpPr>
@@ -4298,18 +4128,13 @@
               <a:rPr lang="ko-KR" altLang="en-US"/>
               <a:t>마스터 제목 스타일 편집</a:t>
             </a:r>
-          </a:p>
-        </p:txBody>
-      </p:sp>
-      <p:sp>
-        <p:nvSpPr>
-          <p:cNvPr id="3" name="내용 개체 틀 2">
-            <a:extLst>
-              <a:ext uri="{FF2B5EF4-FFF2-40B4-BE49-F238E27FC236}">
-                <a16:creationId xmlns:a16="http://schemas.microsoft.com/office/drawing/2014/main" id="{25C34846-1BF5-424A-BB13-D305AE0F404D}"/>
-              </a:ext>
-            </a:extLst>
-          </p:cNvPr>
+            <a:endParaRPr lang="en-US" dirty="0"/>
+          </a:p>
+        </p:txBody>
+      </p:sp>
+      <p:sp>
+        <p:nvSpPr>
+          <p:cNvPr id="3" name="Content Placeholder 2"/>
           <p:cNvSpPr>
             <a:spLocks noGrp="1"/>
           </p:cNvSpPr>
@@ -4388,18 +4213,13 @@
               <a:rPr lang="ko-KR" altLang="en-US"/>
               <a:t>다섯째 수준</a:t>
             </a:r>
-          </a:p>
-        </p:txBody>
-      </p:sp>
-      <p:sp>
-        <p:nvSpPr>
-          <p:cNvPr id="4" name="텍스트 개체 틀 3">
-            <a:extLst>
-              <a:ext uri="{FF2B5EF4-FFF2-40B4-BE49-F238E27FC236}">
-                <a16:creationId xmlns:a16="http://schemas.microsoft.com/office/drawing/2014/main" id="{17F1DADF-A07B-4371-95E2-03FC7AAC7521}"/>
-              </a:ext>
-            </a:extLst>
-          </p:cNvPr>
+            <a:endParaRPr lang="en-US" dirty="0"/>
+          </a:p>
+        </p:txBody>
+      </p:sp>
+      <p:sp>
+        <p:nvSpPr>
+          <p:cNvPr id="4" name="Text Placeholder 3"/>
           <p:cNvSpPr>
             <a:spLocks noGrp="1"/>
           </p:cNvSpPr>
@@ -4464,13 +4284,7 @@
       </p:sp>
       <p:sp>
         <p:nvSpPr>
-          <p:cNvPr id="5" name="날짜 개체 틀 4">
-            <a:extLst>
-              <a:ext uri="{FF2B5EF4-FFF2-40B4-BE49-F238E27FC236}">
-                <a16:creationId xmlns:a16="http://schemas.microsoft.com/office/drawing/2014/main" id="{268B4C89-9DF1-4D65-9F85-4E000281B0EE}"/>
-              </a:ext>
-            </a:extLst>
-          </p:cNvPr>
+          <p:cNvPr id="5" name="Date Placeholder 4"/>
           <p:cNvSpPr>
             <a:spLocks noGrp="1"/>
           </p:cNvSpPr>
@@ -4485,7 +4299,7 @@
           <a:p>
             <a:fld id="{7375CF92-EF9A-4E7C-8197-9037C088131F}" type="datetimeFigureOut">
               <a:rPr lang="ko-KR" altLang="en-US" smtClean="0"/>
-              <a:t>2018-12-05</a:t>
+              <a:t>2018-12-06</a:t>
             </a:fld>
             <a:endParaRPr lang="ko-KR" altLang="en-US"/>
           </a:p>
@@ -4493,13 +4307,7 @@
       </p:sp>
       <p:sp>
         <p:nvSpPr>
-          <p:cNvPr id="6" name="바닥글 개체 틀 5">
-            <a:extLst>
-              <a:ext uri="{FF2B5EF4-FFF2-40B4-BE49-F238E27FC236}">
-                <a16:creationId xmlns:a16="http://schemas.microsoft.com/office/drawing/2014/main" id="{2BC71005-FD04-4C5D-92E8-AAA37C07BCF6}"/>
-              </a:ext>
-            </a:extLst>
-          </p:cNvPr>
+          <p:cNvPr id="6" name="Footer Placeholder 5"/>
           <p:cNvSpPr>
             <a:spLocks noGrp="1"/>
           </p:cNvSpPr>
@@ -4518,13 +4326,7 @@
       </p:sp>
       <p:sp>
         <p:nvSpPr>
-          <p:cNvPr id="7" name="슬라이드 번호 개체 틀 6">
-            <a:extLst>
-              <a:ext uri="{FF2B5EF4-FFF2-40B4-BE49-F238E27FC236}">
-                <a16:creationId xmlns:a16="http://schemas.microsoft.com/office/drawing/2014/main" id="{9D6D73B9-1AA3-4791-BF1E-1F211B85C743}"/>
-              </a:ext>
-            </a:extLst>
-          </p:cNvPr>
+          <p:cNvPr id="7" name="Slide Number Placeholder 6"/>
           <p:cNvSpPr>
             <a:spLocks noGrp="1"/>
           </p:cNvSpPr>
@@ -4548,7 +4350,7 @@
     </p:spTree>
     <p:extLst>
       <p:ext uri="{BB962C8B-B14F-4D97-AF65-F5344CB8AC3E}">
-        <p14:creationId xmlns:p14="http://schemas.microsoft.com/office/powerpoint/2010/main" val="3859370522"/>
+        <p14:creationId xmlns:p14="http://schemas.microsoft.com/office/powerpoint/2010/main" val="937045524"/>
       </p:ext>
     </p:extLst>
   </p:cSld>
@@ -4577,13 +4379,7 @@
       </p:grpSpPr>
       <p:sp>
         <p:nvSpPr>
-          <p:cNvPr id="2" name="제목 1">
-            <a:extLst>
-              <a:ext uri="{FF2B5EF4-FFF2-40B4-BE49-F238E27FC236}">
-                <a16:creationId xmlns:a16="http://schemas.microsoft.com/office/drawing/2014/main" id="{B53055F1-091E-43BA-A16D-49CCAF7130E4}"/>
-              </a:ext>
-            </a:extLst>
-          </p:cNvPr>
+          <p:cNvPr id="2" name="Title 1"/>
           <p:cNvSpPr>
             <a:spLocks noGrp="1"/>
           </p:cNvSpPr>
@@ -4609,20 +4405,15 @@
               <a:rPr lang="ko-KR" altLang="en-US"/>
               <a:t>마스터 제목 스타일 편집</a:t>
             </a:r>
-          </a:p>
-        </p:txBody>
-      </p:sp>
-      <p:sp>
-        <p:nvSpPr>
-          <p:cNvPr id="3" name="그림 개체 틀 2">
-            <a:extLst>
-              <a:ext uri="{FF2B5EF4-FFF2-40B4-BE49-F238E27FC236}">
-                <a16:creationId xmlns:a16="http://schemas.microsoft.com/office/drawing/2014/main" id="{A2AD38BF-8E52-4467-BE1D-BB5096E1B04E}"/>
-              </a:ext>
-            </a:extLst>
-          </p:cNvPr>
-          <p:cNvSpPr>
-            <a:spLocks noGrp="1"/>
+            <a:endParaRPr lang="en-US" dirty="0"/>
+          </a:p>
+        </p:txBody>
+      </p:sp>
+      <p:sp>
+        <p:nvSpPr>
+          <p:cNvPr id="3" name="Picture Placeholder 2"/>
+          <p:cNvSpPr>
+            <a:spLocks noGrp="1" noChangeAspect="1"/>
           </p:cNvSpPr>
           <p:nvPr>
             <p:ph type="pic" idx="1"/>
@@ -4635,7 +4426,7 @@
           </a:xfrm>
         </p:spPr>
         <p:txBody>
-          <a:bodyPr/>
+          <a:bodyPr anchor="t"/>
           <a:lstStyle>
             <a:lvl1pPr marL="0" indent="0">
               <a:buNone/>
@@ -4675,19 +4466,17 @@
             </a:lvl9pPr>
           </a:lstStyle>
           <a:p>
-            <a:endParaRPr lang="ko-KR" altLang="en-US"/>
-          </a:p>
-        </p:txBody>
-      </p:sp>
-      <p:sp>
-        <p:nvSpPr>
-          <p:cNvPr id="4" name="텍스트 개체 틀 3">
-            <a:extLst>
-              <a:ext uri="{FF2B5EF4-FFF2-40B4-BE49-F238E27FC236}">
-                <a16:creationId xmlns:a16="http://schemas.microsoft.com/office/drawing/2014/main" id="{8C754431-1600-4DF4-95EF-F4974AC2ADE8}"/>
-              </a:ext>
-            </a:extLst>
-          </p:cNvPr>
+            <a:r>
+              <a:rPr lang="ko-KR" altLang="en-US"/>
+              <a:t>그림을 추가하려면 아이콘을 클릭하십시오</a:t>
+            </a:r>
+            <a:endParaRPr lang="en-US" dirty="0"/>
+          </a:p>
+        </p:txBody>
+      </p:sp>
+      <p:sp>
+        <p:nvSpPr>
+          <p:cNvPr id="4" name="Text Placeholder 3"/>
           <p:cNvSpPr>
             <a:spLocks noGrp="1"/>
           </p:cNvSpPr>
@@ -4752,13 +4541,7 @@
       </p:sp>
       <p:sp>
         <p:nvSpPr>
-          <p:cNvPr id="5" name="날짜 개체 틀 4">
-            <a:extLst>
-              <a:ext uri="{FF2B5EF4-FFF2-40B4-BE49-F238E27FC236}">
-                <a16:creationId xmlns:a16="http://schemas.microsoft.com/office/drawing/2014/main" id="{75865C0E-693B-495E-B05E-BFE641B23B93}"/>
-              </a:ext>
-            </a:extLst>
-          </p:cNvPr>
+          <p:cNvPr id="5" name="Date Placeholder 4"/>
           <p:cNvSpPr>
             <a:spLocks noGrp="1"/>
           </p:cNvSpPr>
@@ -4773,7 +4556,7 @@
           <a:p>
             <a:fld id="{7375CF92-EF9A-4E7C-8197-9037C088131F}" type="datetimeFigureOut">
               <a:rPr lang="ko-KR" altLang="en-US" smtClean="0"/>
-              <a:t>2018-12-05</a:t>
+              <a:t>2018-12-06</a:t>
             </a:fld>
             <a:endParaRPr lang="ko-KR" altLang="en-US"/>
           </a:p>
@@ -4781,13 +4564,7 @@
       </p:sp>
       <p:sp>
         <p:nvSpPr>
-          <p:cNvPr id="6" name="바닥글 개체 틀 5">
-            <a:extLst>
-              <a:ext uri="{FF2B5EF4-FFF2-40B4-BE49-F238E27FC236}">
-                <a16:creationId xmlns:a16="http://schemas.microsoft.com/office/drawing/2014/main" id="{487093A3-C119-495C-9EBF-C9ED022BAAA3}"/>
-              </a:ext>
-            </a:extLst>
-          </p:cNvPr>
+          <p:cNvPr id="6" name="Footer Placeholder 5"/>
           <p:cNvSpPr>
             <a:spLocks noGrp="1"/>
           </p:cNvSpPr>
@@ -4806,13 +4583,7 @@
       </p:sp>
       <p:sp>
         <p:nvSpPr>
-          <p:cNvPr id="7" name="슬라이드 번호 개체 틀 6">
-            <a:extLst>
-              <a:ext uri="{FF2B5EF4-FFF2-40B4-BE49-F238E27FC236}">
-                <a16:creationId xmlns:a16="http://schemas.microsoft.com/office/drawing/2014/main" id="{33F2455F-A6AB-4D86-BAA1-09E9536CFC8A}"/>
-              </a:ext>
-            </a:extLst>
-          </p:cNvPr>
+          <p:cNvPr id="7" name="Slide Number Placeholder 6"/>
           <p:cNvSpPr>
             <a:spLocks noGrp="1"/>
           </p:cNvSpPr>
@@ -4836,7 +4607,7 @@
     </p:spTree>
     <p:extLst>
       <p:ext uri="{BB962C8B-B14F-4D97-AF65-F5344CB8AC3E}">
-        <p14:creationId xmlns:p14="http://schemas.microsoft.com/office/powerpoint/2010/main" val="4033454973"/>
+        <p14:creationId xmlns:p14="http://schemas.microsoft.com/office/powerpoint/2010/main" val="731079579"/>
       </p:ext>
     </p:extLst>
   </p:cSld>
@@ -4870,13 +4641,7 @@
       </p:grpSpPr>
       <p:sp>
         <p:nvSpPr>
-          <p:cNvPr id="2" name="제목 개체 틀 1">
-            <a:extLst>
-              <a:ext uri="{FF2B5EF4-FFF2-40B4-BE49-F238E27FC236}">
-                <a16:creationId xmlns:a16="http://schemas.microsoft.com/office/drawing/2014/main" id="{7F2596A3-5836-4BD3-B703-85F69C3BF7D1}"/>
-              </a:ext>
-            </a:extLst>
-          </p:cNvPr>
+          <p:cNvPr id="2" name="Title Placeholder 1"/>
           <p:cNvSpPr>
             <a:spLocks noGrp="1"/>
           </p:cNvSpPr>
@@ -4903,18 +4668,13 @@
               <a:rPr lang="ko-KR" altLang="en-US"/>
               <a:t>마스터 제목 스타일 편집</a:t>
             </a:r>
-          </a:p>
-        </p:txBody>
-      </p:sp>
-      <p:sp>
-        <p:nvSpPr>
-          <p:cNvPr id="3" name="텍스트 개체 틀 2">
-            <a:extLst>
-              <a:ext uri="{FF2B5EF4-FFF2-40B4-BE49-F238E27FC236}">
-                <a16:creationId xmlns:a16="http://schemas.microsoft.com/office/drawing/2014/main" id="{BDFF22FF-986F-4E39-BD35-5838FBB27AA6}"/>
-              </a:ext>
-            </a:extLst>
-          </p:cNvPr>
+            <a:endParaRPr lang="en-US" dirty="0"/>
+          </a:p>
+        </p:txBody>
+      </p:sp>
+      <p:sp>
+        <p:nvSpPr>
+          <p:cNvPr id="3" name="Text Placeholder 2"/>
           <p:cNvSpPr>
             <a:spLocks noGrp="1"/>
           </p:cNvSpPr>
@@ -4970,18 +4730,13 @@
               <a:rPr lang="ko-KR" altLang="en-US"/>
               <a:t>다섯째 수준</a:t>
             </a:r>
-          </a:p>
-        </p:txBody>
-      </p:sp>
-      <p:sp>
-        <p:nvSpPr>
-          <p:cNvPr id="4" name="날짜 개체 틀 3">
-            <a:extLst>
-              <a:ext uri="{FF2B5EF4-FFF2-40B4-BE49-F238E27FC236}">
-                <a16:creationId xmlns:a16="http://schemas.microsoft.com/office/drawing/2014/main" id="{1F1F3215-5609-4CFB-8105-3F38796B4779}"/>
-              </a:ext>
-            </a:extLst>
-          </p:cNvPr>
+            <a:endParaRPr lang="en-US" dirty="0"/>
+          </a:p>
+        </p:txBody>
+      </p:sp>
+      <p:sp>
+        <p:nvSpPr>
+          <p:cNvPr id="4" name="Date Placeholder 3"/>
           <p:cNvSpPr>
             <a:spLocks noGrp="1"/>
           </p:cNvSpPr>
@@ -5014,7 +4769,7 @@
           <a:p>
             <a:fld id="{7375CF92-EF9A-4E7C-8197-9037C088131F}" type="datetimeFigureOut">
               <a:rPr lang="ko-KR" altLang="en-US" smtClean="0"/>
-              <a:t>2018-12-05</a:t>
+              <a:t>2018-12-06</a:t>
             </a:fld>
             <a:endParaRPr lang="ko-KR" altLang="en-US"/>
           </a:p>
@@ -5022,13 +4777,7 @@
       </p:sp>
       <p:sp>
         <p:nvSpPr>
-          <p:cNvPr id="5" name="바닥글 개체 틀 4">
-            <a:extLst>
-              <a:ext uri="{FF2B5EF4-FFF2-40B4-BE49-F238E27FC236}">
-                <a16:creationId xmlns:a16="http://schemas.microsoft.com/office/drawing/2014/main" id="{5084AD04-1CB8-49D0-B279-5CBD8784B12D}"/>
-              </a:ext>
-            </a:extLst>
-          </p:cNvPr>
+          <p:cNvPr id="5" name="Footer Placeholder 4"/>
           <p:cNvSpPr>
             <a:spLocks noGrp="1"/>
           </p:cNvSpPr>
@@ -5065,13 +4814,7 @@
       </p:sp>
       <p:sp>
         <p:nvSpPr>
-          <p:cNvPr id="6" name="슬라이드 번호 개체 틀 5">
-            <a:extLst>
-              <a:ext uri="{FF2B5EF4-FFF2-40B4-BE49-F238E27FC236}">
-                <a16:creationId xmlns:a16="http://schemas.microsoft.com/office/drawing/2014/main" id="{E0B51C8A-321F-490B-9821-28F7FED2F0C6}"/>
-              </a:ext>
-            </a:extLst>
-          </p:cNvPr>
+          <p:cNvPr id="6" name="Slide Number Placeholder 5"/>
           <p:cNvSpPr>
             <a:spLocks noGrp="1"/>
           </p:cNvSpPr>
@@ -5113,23 +4856,23 @@
     </p:spTree>
     <p:extLst>
       <p:ext uri="{BB962C8B-B14F-4D97-AF65-F5344CB8AC3E}">
-        <p14:creationId xmlns:p14="http://schemas.microsoft.com/office/powerpoint/2010/main" val="2226811508"/>
+        <p14:creationId xmlns:p14="http://schemas.microsoft.com/office/powerpoint/2010/main" val="503919260"/>
       </p:ext>
     </p:extLst>
   </p:cSld>
   <p:clrMap bg1="lt1" tx1="dk1" bg2="lt2" tx2="dk2" accent1="accent1" accent2="accent2" accent3="accent3" accent4="accent4" accent5="accent5" accent6="accent6" hlink="hlink" folHlink="folHlink"/>
   <p:sldLayoutIdLst>
-    <p:sldLayoutId id="2147483649" r:id="rId1"/>
-    <p:sldLayoutId id="2147483650" r:id="rId2"/>
-    <p:sldLayoutId id="2147483651" r:id="rId3"/>
-    <p:sldLayoutId id="2147483652" r:id="rId4"/>
-    <p:sldLayoutId id="2147483653" r:id="rId5"/>
-    <p:sldLayoutId id="2147483654" r:id="rId6"/>
-    <p:sldLayoutId id="2147483655" r:id="rId7"/>
-    <p:sldLayoutId id="2147483656" r:id="rId8"/>
-    <p:sldLayoutId id="2147483657" r:id="rId9"/>
-    <p:sldLayoutId id="2147483658" r:id="rId10"/>
-    <p:sldLayoutId id="2147483659" r:id="rId11"/>
+    <p:sldLayoutId id="2147483661" r:id="rId1"/>
+    <p:sldLayoutId id="2147483662" r:id="rId2"/>
+    <p:sldLayoutId id="2147483663" r:id="rId3"/>
+    <p:sldLayoutId id="2147483664" r:id="rId4"/>
+    <p:sldLayoutId id="2147483665" r:id="rId5"/>
+    <p:sldLayoutId id="2147483666" r:id="rId6"/>
+    <p:sldLayoutId id="2147483667" r:id="rId7"/>
+    <p:sldLayoutId id="2147483668" r:id="rId8"/>
+    <p:sldLayoutId id="2147483669" r:id="rId9"/>
+    <p:sldLayoutId id="2147483670" r:id="rId10"/>
+    <p:sldLayoutId id="2147483671" r:id="rId11"/>
   </p:sldLayoutIdLst>
   <p:txStyles>
     <p:titleStyle>
@@ -5317,7 +5060,7 @@
     </p:bodyStyle>
     <p:otherStyle>
       <a:defPPr>
-        <a:defRPr lang="ko-KR"/>
+        <a:defRPr lang="en-US"/>
       </a:defPPr>
       <a:lvl1pPr marL="0" algn="l" defTabSz="914400" rtl="0" eaLnBrk="1" latinLnBrk="1" hangingPunct="1">
         <a:defRPr sz="1800" kern="1200">
@@ -5870,6 +5613,52 @@
           </a:prstGeom>
         </p:spPr>
       </p:pic>
+      <p:sp>
+        <p:nvSpPr>
+          <p:cNvPr id="7" name="직사각형 6">
+            <a:extLst>
+              <a:ext uri="{FF2B5EF4-FFF2-40B4-BE49-F238E27FC236}">
+                <a16:creationId xmlns:a16="http://schemas.microsoft.com/office/drawing/2014/main" id="{0DFE117B-7BEE-459A-9991-0FCD9BCE97D2}"/>
+              </a:ext>
+            </a:extLst>
+          </p:cNvPr>
+          <p:cNvSpPr/>
+          <p:nvPr/>
+        </p:nvSpPr>
+        <p:spPr>
+          <a:xfrm>
+            <a:off x="1586143" y="6121769"/>
+            <a:ext cx="9268287" cy="115409"/>
+          </a:xfrm>
+          <a:prstGeom prst="rect">
+            <a:avLst/>
+          </a:prstGeom>
+        </p:spPr>
+        <p:style>
+          <a:lnRef idx="2">
+            <a:schemeClr val="accent1">
+              <a:shade val="50000"/>
+            </a:schemeClr>
+          </a:lnRef>
+          <a:fillRef idx="1">
+            <a:schemeClr val="accent1"/>
+          </a:fillRef>
+          <a:effectRef idx="0">
+            <a:schemeClr val="accent1"/>
+          </a:effectRef>
+          <a:fontRef idx="minor">
+            <a:schemeClr val="lt1"/>
+          </a:fontRef>
+        </p:style>
+        <p:txBody>
+          <a:bodyPr rtlCol="0" anchor="ctr"/>
+          <a:lstStyle/>
+          <a:p>
+            <a:pPr algn="ctr"/>
+            <a:endParaRPr lang="ko-KR" altLang="en-US"/>
+          </a:p>
+        </p:txBody>
+      </p:sp>
     </p:spTree>
     <p:extLst>
       <p:ext uri="{BB962C8B-B14F-4D97-AF65-F5344CB8AC3E}">
@@ -5928,8 +5717,8 @@
         </p:blipFill>
         <p:spPr>
           <a:xfrm>
-            <a:off x="1677395" y="1254597"/>
-            <a:ext cx="8241175" cy="4382416"/>
+            <a:off x="2505373" y="1461945"/>
+            <a:ext cx="7225623" cy="3842375"/>
           </a:xfrm>
           <a:prstGeom prst="rect">
             <a:avLst/>
@@ -6040,7 +5829,7 @@
         </p:nvSpPr>
         <p:spPr>
           <a:xfrm>
-            <a:off x="2798720" y="5922948"/>
+            <a:off x="2798719" y="5470349"/>
             <a:ext cx="6594562" cy="400110"/>
           </a:xfrm>
           <a:prstGeom prst="rect">
@@ -6106,8 +5895,8 @@
         </p:nvSpPr>
         <p:spPr>
           <a:xfrm>
-            <a:off x="1832075" y="4246546"/>
-            <a:ext cx="1975996" cy="637967"/>
+            <a:off x="2620429" y="4126383"/>
+            <a:ext cx="1789525" cy="445768"/>
           </a:xfrm>
           <a:prstGeom prst="rect">
             <a:avLst/>
@@ -6158,7 +5947,7 @@
         </p:nvCxnSpPr>
         <p:spPr>
           <a:xfrm flipV="1">
-            <a:off x="2642062" y="3008055"/>
+            <a:off x="3306234" y="2887892"/>
             <a:ext cx="0" cy="1238491"/>
           </a:xfrm>
           <a:prstGeom prst="line">
@@ -6201,7 +5990,7 @@
         </p:nvCxnSpPr>
         <p:spPr>
           <a:xfrm>
-            <a:off x="2628970" y="3008055"/>
+            <a:off x="3306234" y="2898104"/>
             <a:ext cx="241552" cy="0"/>
           </a:xfrm>
           <a:prstGeom prst="straightConnector1">
@@ -6243,8 +6032,8 @@
         </p:nvSpPr>
         <p:spPr>
           <a:xfrm>
-            <a:off x="3044142" y="1968692"/>
-            <a:ext cx="5858876" cy="1877744"/>
+            <a:off x="3727049" y="2060294"/>
+            <a:ext cx="5158718" cy="1567623"/>
           </a:xfrm>
           <a:prstGeom prst="rect">
             <a:avLst/>
@@ -6255,6 +6044,52 @@
               <a:srgbClr val="FF0000"/>
             </a:solidFill>
           </a:ln>
+        </p:spPr>
+        <p:style>
+          <a:lnRef idx="2">
+            <a:schemeClr val="accent1">
+              <a:shade val="50000"/>
+            </a:schemeClr>
+          </a:lnRef>
+          <a:fillRef idx="1">
+            <a:schemeClr val="accent1"/>
+          </a:fillRef>
+          <a:effectRef idx="0">
+            <a:schemeClr val="accent1"/>
+          </a:effectRef>
+          <a:fontRef idx="minor">
+            <a:schemeClr val="lt1"/>
+          </a:fontRef>
+        </p:style>
+        <p:txBody>
+          <a:bodyPr rtlCol="0" anchor="ctr"/>
+          <a:lstStyle/>
+          <a:p>
+            <a:pPr algn="ctr"/>
+            <a:endParaRPr lang="ko-KR" altLang="en-US"/>
+          </a:p>
+        </p:txBody>
+      </p:sp>
+      <p:sp>
+        <p:nvSpPr>
+          <p:cNvPr id="10" name="직사각형 9">
+            <a:extLst>
+              <a:ext uri="{FF2B5EF4-FFF2-40B4-BE49-F238E27FC236}">
+                <a16:creationId xmlns:a16="http://schemas.microsoft.com/office/drawing/2014/main" id="{8422EE26-AAAB-464B-A2A0-894F0BC3DDC7}"/>
+              </a:ext>
+            </a:extLst>
+          </p:cNvPr>
+          <p:cNvSpPr/>
+          <p:nvPr/>
+        </p:nvSpPr>
+        <p:spPr>
+          <a:xfrm>
+            <a:off x="1586143" y="6121769"/>
+            <a:ext cx="9268287" cy="115409"/>
+          </a:xfrm>
+          <a:prstGeom prst="rect">
+            <a:avLst/>
+          </a:prstGeom>
         </p:spPr>
         <p:style>
           <a:lnRef idx="2">
@@ -6411,7 +6246,7 @@
         </p:nvSpPr>
         <p:spPr>
           <a:xfrm>
-            <a:off x="4630150" y="2983125"/>
+            <a:off x="4595426" y="2635884"/>
             <a:ext cx="3894271" cy="2246769"/>
           </a:xfrm>
           <a:prstGeom prst="rect">
@@ -6479,6 +6314,52 @@
               <a:latin typeface="+mn-ea"/>
               <a:cs typeface="Malgun Gothic Semilight" panose="020B0502040204020203" pitchFamily="50" charset="-127"/>
             </a:endParaRPr>
+          </a:p>
+        </p:txBody>
+      </p:sp>
+      <p:sp>
+        <p:nvSpPr>
+          <p:cNvPr id="7" name="직사각형 6">
+            <a:extLst>
+              <a:ext uri="{FF2B5EF4-FFF2-40B4-BE49-F238E27FC236}">
+                <a16:creationId xmlns:a16="http://schemas.microsoft.com/office/drawing/2014/main" id="{0F89AF1A-12AC-4BE5-A49D-AEE96ABEFF5F}"/>
+              </a:ext>
+            </a:extLst>
+          </p:cNvPr>
+          <p:cNvSpPr/>
+          <p:nvPr/>
+        </p:nvSpPr>
+        <p:spPr>
+          <a:xfrm>
+            <a:off x="1586143" y="6121769"/>
+            <a:ext cx="9268287" cy="115409"/>
+          </a:xfrm>
+          <a:prstGeom prst="rect">
+            <a:avLst/>
+          </a:prstGeom>
+        </p:spPr>
+        <p:style>
+          <a:lnRef idx="2">
+            <a:schemeClr val="accent1">
+              <a:shade val="50000"/>
+            </a:schemeClr>
+          </a:lnRef>
+          <a:fillRef idx="1">
+            <a:schemeClr val="accent1"/>
+          </a:fillRef>
+          <a:effectRef idx="0">
+            <a:schemeClr val="accent1"/>
+          </a:effectRef>
+          <a:fontRef idx="minor">
+            <a:schemeClr val="lt1"/>
+          </a:fontRef>
+        </p:style>
+        <p:txBody>
+          <a:bodyPr rtlCol="0" anchor="ctr"/>
+          <a:lstStyle/>
+          <a:p>
+            <a:pPr algn="ctr"/>
+            <a:endParaRPr lang="ko-KR" altLang="en-US"/>
           </a:p>
         </p:txBody>
       </p:sp>
@@ -6622,7 +6503,7 @@
         </p:blipFill>
         <p:spPr>
           <a:xfrm>
-            <a:off x="3467177" y="2319182"/>
+            <a:off x="3467177" y="2023472"/>
             <a:ext cx="5506218" cy="2219635"/>
           </a:xfrm>
           <a:prstGeom prst="rect">
@@ -6644,7 +6525,7 @@
         </p:nvSpPr>
         <p:spPr>
           <a:xfrm>
-            <a:off x="3727406" y="5436958"/>
+            <a:off x="3727402" y="5130238"/>
             <a:ext cx="4737195" cy="400110"/>
           </a:xfrm>
           <a:prstGeom prst="rect">
@@ -6665,6 +6546,52 @@
               </a:rPr>
               <a:t>패턴 매칭 방식의 효율적인 명령어 수행</a:t>
             </a:r>
+          </a:p>
+        </p:txBody>
+      </p:sp>
+      <p:sp>
+        <p:nvSpPr>
+          <p:cNvPr id="8" name="직사각형 7">
+            <a:extLst>
+              <a:ext uri="{FF2B5EF4-FFF2-40B4-BE49-F238E27FC236}">
+                <a16:creationId xmlns:a16="http://schemas.microsoft.com/office/drawing/2014/main" id="{B269B712-43B6-4039-82FE-C22343BF268B}"/>
+              </a:ext>
+            </a:extLst>
+          </p:cNvPr>
+          <p:cNvSpPr/>
+          <p:nvPr/>
+        </p:nvSpPr>
+        <p:spPr>
+          <a:xfrm>
+            <a:off x="1586143" y="6121769"/>
+            <a:ext cx="9268287" cy="115409"/>
+          </a:xfrm>
+          <a:prstGeom prst="rect">
+            <a:avLst/>
+          </a:prstGeom>
+        </p:spPr>
+        <p:style>
+          <a:lnRef idx="2">
+            <a:schemeClr val="accent1">
+              <a:shade val="50000"/>
+            </a:schemeClr>
+          </a:lnRef>
+          <a:fillRef idx="1">
+            <a:schemeClr val="accent1"/>
+          </a:fillRef>
+          <a:effectRef idx="0">
+            <a:schemeClr val="accent1"/>
+          </a:effectRef>
+          <a:fontRef idx="minor">
+            <a:schemeClr val="lt1"/>
+          </a:fontRef>
+        </p:style>
+        <p:txBody>
+          <a:bodyPr rtlCol="0" anchor="ctr"/>
+          <a:lstStyle/>
+          <a:p>
+            <a:pPr algn="ctr"/>
+            <a:endParaRPr lang="ko-KR" altLang="en-US"/>
           </a:p>
         </p:txBody>
       </p:sp>
@@ -6678,6 +6605,92 @@
   <p:clrMapOvr>
     <a:masterClrMapping/>
   </p:clrMapOvr>
+  <p:timing>
+    <p:tnLst>
+      <p:par>
+        <p:cTn id="1" dur="indefinite" restart="never" nodeType="tmRoot">
+          <p:childTnLst>
+            <p:seq concurrent="1" nextAc="seek">
+              <p:cTn id="2" dur="indefinite" nodeType="mainSeq">
+                <p:childTnLst>
+                  <p:par>
+                    <p:cTn id="3" fill="hold">
+                      <p:stCondLst>
+                        <p:cond delay="indefinite"/>
+                      </p:stCondLst>
+                      <p:childTnLst>
+                        <p:par>
+                          <p:cTn id="4" fill="hold">
+                            <p:stCondLst>
+                              <p:cond delay="0"/>
+                            </p:stCondLst>
+                            <p:childTnLst>
+                              <p:par>
+                                <p:cTn id="5" presetID="10" presetClass="entr" presetSubtype="0" fill="hold" grpId="0" nodeType="clickEffect">
+                                  <p:stCondLst>
+                                    <p:cond delay="0"/>
+                                  </p:stCondLst>
+                                  <p:childTnLst>
+                                    <p:set>
+                                      <p:cBhvr>
+                                        <p:cTn id="6" dur="1" fill="hold">
+                                          <p:stCondLst>
+                                            <p:cond delay="0"/>
+                                          </p:stCondLst>
+                                        </p:cTn>
+                                        <p:tgtEl>
+                                          <p:spTgt spid="7"/>
+                                        </p:tgtEl>
+                                        <p:attrNameLst>
+                                          <p:attrName>style.visibility</p:attrName>
+                                        </p:attrNameLst>
+                                      </p:cBhvr>
+                                      <p:to>
+                                        <p:strVal val="visible"/>
+                                      </p:to>
+                                    </p:set>
+                                    <p:animEffect transition="in" filter="fade">
+                                      <p:cBhvr>
+                                        <p:cTn id="7" dur="500"/>
+                                        <p:tgtEl>
+                                          <p:spTgt spid="7"/>
+                                        </p:tgtEl>
+                                      </p:cBhvr>
+                                    </p:animEffect>
+                                  </p:childTnLst>
+                                </p:cTn>
+                              </p:par>
+                            </p:childTnLst>
+                          </p:cTn>
+                        </p:par>
+                      </p:childTnLst>
+                    </p:cTn>
+                  </p:par>
+                </p:childTnLst>
+              </p:cTn>
+              <p:prevCondLst>
+                <p:cond evt="onPrev" delay="0">
+                  <p:tgtEl>
+                    <p:sldTgt/>
+                  </p:tgtEl>
+                </p:cond>
+              </p:prevCondLst>
+              <p:nextCondLst>
+                <p:cond evt="onNext" delay="0">
+                  <p:tgtEl>
+                    <p:sldTgt/>
+                  </p:tgtEl>
+                </p:cond>
+              </p:nextCondLst>
+            </p:seq>
+          </p:childTnLst>
+        </p:cTn>
+      </p:par>
+    </p:tnLst>
+    <p:bldLst>
+      <p:bldP spid="7" grpId="0"/>
+    </p:bldLst>
+  </p:timing>
 </p:sld>
 </file>
 
@@ -6797,7 +6810,7 @@
         </p:nvSpPr>
         <p:spPr>
           <a:xfrm>
-            <a:off x="4264417" y="5436958"/>
+            <a:off x="4264408" y="4930183"/>
             <a:ext cx="3663182" cy="400110"/>
           </a:xfrm>
           <a:prstGeom prst="rect">
@@ -6849,7 +6862,7 @@
         </p:blipFill>
         <p:spPr>
           <a:xfrm>
-            <a:off x="3338127" y="2319182"/>
+            <a:off x="3338126" y="2041390"/>
             <a:ext cx="5515745" cy="2219635"/>
           </a:xfrm>
           <a:prstGeom prst="rect">
@@ -6857,6 +6870,52 @@
           </a:prstGeom>
         </p:spPr>
       </p:pic>
+      <p:sp>
+        <p:nvSpPr>
+          <p:cNvPr id="8" name="직사각형 7">
+            <a:extLst>
+              <a:ext uri="{FF2B5EF4-FFF2-40B4-BE49-F238E27FC236}">
+                <a16:creationId xmlns:a16="http://schemas.microsoft.com/office/drawing/2014/main" id="{537BBF7C-58C5-48C8-996B-3B2B0029CB14}"/>
+              </a:ext>
+            </a:extLst>
+          </p:cNvPr>
+          <p:cNvSpPr/>
+          <p:nvPr/>
+        </p:nvSpPr>
+        <p:spPr>
+          <a:xfrm>
+            <a:off x="1586143" y="6121769"/>
+            <a:ext cx="9268287" cy="115409"/>
+          </a:xfrm>
+          <a:prstGeom prst="rect">
+            <a:avLst/>
+          </a:prstGeom>
+        </p:spPr>
+        <p:style>
+          <a:lnRef idx="2">
+            <a:schemeClr val="accent1">
+              <a:shade val="50000"/>
+            </a:schemeClr>
+          </a:lnRef>
+          <a:fillRef idx="1">
+            <a:schemeClr val="accent1"/>
+          </a:fillRef>
+          <a:effectRef idx="0">
+            <a:schemeClr val="accent1"/>
+          </a:effectRef>
+          <a:fontRef idx="minor">
+            <a:schemeClr val="lt1"/>
+          </a:fontRef>
+        </p:style>
+        <p:txBody>
+          <a:bodyPr rtlCol="0" anchor="ctr"/>
+          <a:lstStyle/>
+          <a:p>
+            <a:pPr algn="ctr"/>
+            <a:endParaRPr lang="ko-KR" altLang="en-US"/>
+          </a:p>
+        </p:txBody>
+      </p:sp>
     </p:spTree>
     <p:extLst>
       <p:ext uri="{BB962C8B-B14F-4D97-AF65-F5344CB8AC3E}">
@@ -6948,6 +7007,369 @@
         <p:spPr>
           <a:xfrm>
             <a:off x="1704513" y="620822"/>
+            <a:ext cx="697627" cy="400110"/>
+          </a:xfrm>
+          <a:prstGeom prst="rect">
+            <a:avLst/>
+          </a:prstGeom>
+          <a:noFill/>
+        </p:spPr>
+        <p:txBody>
+          <a:bodyPr wrap="none" rtlCol="0">
+            <a:spAutoFit/>
+          </a:bodyPr>
+          <a:lstStyle/>
+          <a:p>
+            <a:r>
+              <a:rPr lang="ko-KR" altLang="en-US" sz="2000" dirty="0"/>
+              <a:t>장점</a:t>
+            </a:r>
+            <a:endParaRPr lang="en-US" altLang="ko-KR" sz="2000" dirty="0"/>
+          </a:p>
+        </p:txBody>
+      </p:sp>
+      <p:sp>
+        <p:nvSpPr>
+          <p:cNvPr id="7" name="직사각형 6">
+            <a:extLst>
+              <a:ext uri="{FF2B5EF4-FFF2-40B4-BE49-F238E27FC236}">
+                <a16:creationId xmlns:a16="http://schemas.microsoft.com/office/drawing/2014/main" id="{A2C8AB44-661F-422E-953A-07746CADA62A}"/>
+              </a:ext>
+            </a:extLst>
+          </p:cNvPr>
+          <p:cNvSpPr/>
+          <p:nvPr/>
+        </p:nvSpPr>
+        <p:spPr>
+          <a:xfrm>
+            <a:off x="2402140" y="2244856"/>
+            <a:ext cx="5525451" cy="400110"/>
+          </a:xfrm>
+          <a:prstGeom prst="rect">
+            <a:avLst/>
+          </a:prstGeom>
+        </p:spPr>
+        <p:txBody>
+          <a:bodyPr wrap="square">
+            <a:spAutoFit/>
+          </a:bodyPr>
+          <a:lstStyle/>
+          <a:p>
+            <a:pPr marL="342900" indent="-342900">
+              <a:buFont typeface="Arial" panose="020B0604020202020204" pitchFamily="34" charset="0"/>
+              <a:buChar char="•"/>
+            </a:pPr>
+            <a:r>
+              <a:rPr lang="ko-KR" altLang="en-US" sz="2000" dirty="0">
+                <a:latin typeface="+mn-ea"/>
+                <a:cs typeface="Malgun Gothic Semilight" panose="020B0502040204020203" pitchFamily="50" charset="-127"/>
+              </a:rPr>
+              <a:t>가독성 향상으로 인한 퍼포먼스 향상</a:t>
+            </a:r>
+            <a:r>
+              <a:rPr lang="en-US" altLang="ko-KR" sz="2000" dirty="0">
+                <a:latin typeface="+mn-ea"/>
+                <a:cs typeface="Malgun Gothic Semilight" panose="020B0502040204020203" pitchFamily="50" charset="-127"/>
+              </a:rPr>
+              <a:t>.</a:t>
+            </a:r>
+            <a:endParaRPr lang="ko-KR" altLang="en-US" sz="2000" dirty="0">
+              <a:latin typeface="+mn-ea"/>
+              <a:cs typeface="Malgun Gothic Semilight" panose="020B0502040204020203" pitchFamily="50" charset="-127"/>
+            </a:endParaRPr>
+          </a:p>
+        </p:txBody>
+      </p:sp>
+      <p:sp>
+        <p:nvSpPr>
+          <p:cNvPr id="8" name="직사각형 7">
+            <a:extLst>
+              <a:ext uri="{FF2B5EF4-FFF2-40B4-BE49-F238E27FC236}">
+                <a16:creationId xmlns:a16="http://schemas.microsoft.com/office/drawing/2014/main" id="{537BBF7C-58C5-48C8-996B-3B2B0029CB14}"/>
+              </a:ext>
+            </a:extLst>
+          </p:cNvPr>
+          <p:cNvSpPr/>
+          <p:nvPr/>
+        </p:nvSpPr>
+        <p:spPr>
+          <a:xfrm>
+            <a:off x="1586143" y="6121769"/>
+            <a:ext cx="9268287" cy="115409"/>
+          </a:xfrm>
+          <a:prstGeom prst="rect">
+            <a:avLst/>
+          </a:prstGeom>
+        </p:spPr>
+        <p:style>
+          <a:lnRef idx="2">
+            <a:schemeClr val="accent1">
+              <a:shade val="50000"/>
+            </a:schemeClr>
+          </a:lnRef>
+          <a:fillRef idx="1">
+            <a:schemeClr val="accent1"/>
+          </a:fillRef>
+          <a:effectRef idx="0">
+            <a:schemeClr val="accent1"/>
+          </a:effectRef>
+          <a:fontRef idx="minor">
+            <a:schemeClr val="lt1"/>
+          </a:fontRef>
+        </p:style>
+        <p:txBody>
+          <a:bodyPr rtlCol="0" anchor="ctr"/>
+          <a:lstStyle/>
+          <a:p>
+            <a:pPr algn="ctr"/>
+            <a:endParaRPr lang="ko-KR" altLang="en-US"/>
+          </a:p>
+        </p:txBody>
+      </p:sp>
+      <p:sp>
+        <p:nvSpPr>
+          <p:cNvPr id="9" name="직사각형 8">
+            <a:extLst>
+              <a:ext uri="{FF2B5EF4-FFF2-40B4-BE49-F238E27FC236}">
+                <a16:creationId xmlns:a16="http://schemas.microsoft.com/office/drawing/2014/main" id="{C5AA09C9-B908-465E-B128-BB6D62E3C1A4}"/>
+              </a:ext>
+            </a:extLst>
+          </p:cNvPr>
+          <p:cNvSpPr/>
+          <p:nvPr/>
+        </p:nvSpPr>
+        <p:spPr>
+          <a:xfrm>
+            <a:off x="2402140" y="3228945"/>
+            <a:ext cx="5525451" cy="400110"/>
+          </a:xfrm>
+          <a:prstGeom prst="rect">
+            <a:avLst/>
+          </a:prstGeom>
+        </p:spPr>
+        <p:txBody>
+          <a:bodyPr wrap="square">
+            <a:spAutoFit/>
+          </a:bodyPr>
+          <a:lstStyle/>
+          <a:p>
+            <a:pPr marL="342900" indent="-342900">
+              <a:buFont typeface="Arial" panose="020B0604020202020204" pitchFamily="34" charset="0"/>
+              <a:buChar char="•"/>
+            </a:pPr>
+            <a:r>
+              <a:rPr lang="ko-KR" altLang="en-US" sz="2000" dirty="0">
+                <a:latin typeface="+mn-ea"/>
+                <a:cs typeface="Malgun Gothic Semilight" panose="020B0502040204020203" pitchFamily="50" charset="-127"/>
+              </a:rPr>
+              <a:t>편리한 </a:t>
+            </a:r>
+            <a:r>
+              <a:rPr lang="ko-KR" altLang="en-US" sz="2000" dirty="0" err="1">
+                <a:latin typeface="+mn-ea"/>
+                <a:cs typeface="Malgun Gothic Semilight" panose="020B0502040204020203" pitchFamily="50" charset="-127"/>
+              </a:rPr>
+              <a:t>써드파티</a:t>
+            </a:r>
+            <a:r>
+              <a:rPr lang="ko-KR" altLang="en-US" sz="2000" dirty="0">
+                <a:latin typeface="+mn-ea"/>
+                <a:cs typeface="Malgun Gothic Semilight" panose="020B0502040204020203" pitchFamily="50" charset="-127"/>
+              </a:rPr>
+              <a:t> 플러그인이 많음</a:t>
+            </a:r>
+            <a:r>
+              <a:rPr lang="en-US" altLang="ko-KR" sz="2000" dirty="0">
+                <a:latin typeface="+mn-ea"/>
+                <a:cs typeface="Malgun Gothic Semilight" panose="020B0502040204020203" pitchFamily="50" charset="-127"/>
+              </a:rPr>
+              <a:t>.</a:t>
+            </a:r>
+            <a:endParaRPr lang="ko-KR" altLang="en-US" sz="2000" dirty="0">
+              <a:latin typeface="+mn-ea"/>
+              <a:cs typeface="Malgun Gothic Semilight" panose="020B0502040204020203" pitchFamily="50" charset="-127"/>
+            </a:endParaRPr>
+          </a:p>
+        </p:txBody>
+      </p:sp>
+      <p:sp>
+        <p:nvSpPr>
+          <p:cNvPr id="10" name="직사각형 9">
+            <a:extLst>
+              <a:ext uri="{FF2B5EF4-FFF2-40B4-BE49-F238E27FC236}">
+                <a16:creationId xmlns:a16="http://schemas.microsoft.com/office/drawing/2014/main" id="{AF61B987-034B-4416-9206-BA010F23BD62}"/>
+              </a:ext>
+            </a:extLst>
+          </p:cNvPr>
+          <p:cNvSpPr/>
+          <p:nvPr/>
+        </p:nvSpPr>
+        <p:spPr>
+          <a:xfrm>
+            <a:off x="2402139" y="4213035"/>
+            <a:ext cx="8547511" cy="400110"/>
+          </a:xfrm>
+          <a:prstGeom prst="rect">
+            <a:avLst/>
+          </a:prstGeom>
+        </p:spPr>
+        <p:txBody>
+          <a:bodyPr wrap="square">
+            <a:spAutoFit/>
+          </a:bodyPr>
+          <a:lstStyle/>
+          <a:p>
+            <a:pPr marL="342900" indent="-342900">
+              <a:buFont typeface="Arial" panose="020B0604020202020204" pitchFamily="34" charset="0"/>
+              <a:buChar char="•"/>
+            </a:pPr>
+            <a:r>
+              <a:rPr lang="en-US" altLang="ko-KR" sz="2000" dirty="0" err="1">
+                <a:latin typeface="+mn-ea"/>
+                <a:cs typeface="Malgun Gothic Semilight" panose="020B0502040204020203" pitchFamily="50" charset="-127"/>
+              </a:rPr>
+              <a:t>Zsh</a:t>
+            </a:r>
+            <a:r>
+              <a:rPr lang="ko-KR" altLang="en-US" sz="2000" dirty="0">
+                <a:latin typeface="+mn-ea"/>
+                <a:cs typeface="Malgun Gothic Semilight" panose="020B0502040204020203" pitchFamily="50" charset="-127"/>
+              </a:rPr>
+              <a:t>기반이기 때문에 </a:t>
+            </a:r>
+            <a:r>
+              <a:rPr lang="en-US" altLang="ko-KR" sz="2000" dirty="0" err="1">
+                <a:latin typeface="+mn-ea"/>
+                <a:cs typeface="Malgun Gothic Semilight" panose="020B0502040204020203" pitchFamily="50" charset="-127"/>
+              </a:rPr>
+              <a:t>Zsh</a:t>
+            </a:r>
+            <a:r>
+              <a:rPr lang="ko-KR" altLang="en-US" sz="2000" dirty="0">
+                <a:latin typeface="+mn-ea"/>
+                <a:cs typeface="Malgun Gothic Semilight" panose="020B0502040204020203" pitchFamily="50" charset="-127"/>
+              </a:rPr>
+              <a:t>의 장점을 모두 계승 </a:t>
+            </a:r>
+            <a:r>
+              <a:rPr lang="en-US" altLang="ko-KR" sz="2000" dirty="0">
+                <a:latin typeface="+mn-ea"/>
+                <a:cs typeface="Malgun Gothic Semilight" panose="020B0502040204020203" pitchFamily="50" charset="-127"/>
+              </a:rPr>
+              <a:t>(ex:</a:t>
+            </a:r>
+            <a:r>
+              <a:rPr lang="ko-KR" altLang="en-US" sz="2000" dirty="0">
+                <a:latin typeface="+mn-ea"/>
+                <a:cs typeface="Malgun Gothic Semilight" panose="020B0502040204020203" pitchFamily="50" charset="-127"/>
+              </a:rPr>
+              <a:t>커서형태의 자동완성</a:t>
+            </a:r>
+            <a:r>
+              <a:rPr lang="en-US" altLang="ko-KR" sz="2000" dirty="0">
+                <a:latin typeface="+mn-ea"/>
+                <a:cs typeface="Malgun Gothic Semilight" panose="020B0502040204020203" pitchFamily="50" charset="-127"/>
+              </a:rPr>
+              <a:t>)</a:t>
+            </a:r>
+            <a:endParaRPr lang="ko-KR" altLang="en-US" sz="2000" dirty="0">
+              <a:latin typeface="+mn-ea"/>
+              <a:cs typeface="Malgun Gothic Semilight" panose="020B0502040204020203" pitchFamily="50" charset="-127"/>
+            </a:endParaRPr>
+          </a:p>
+        </p:txBody>
+      </p:sp>
+    </p:spTree>
+    <p:extLst>
+      <p:ext uri="{BB962C8B-B14F-4D97-AF65-F5344CB8AC3E}">
+        <p14:creationId xmlns:p14="http://schemas.microsoft.com/office/powerpoint/2010/main" val="4206236123"/>
+      </p:ext>
+    </p:extLst>
+  </p:cSld>
+  <p:clrMapOvr>
+    <a:masterClrMapping/>
+  </p:clrMapOvr>
+</p:sld>
+</file>
+
+<file path=ppt/slides/slide16.xml><?xml version="1.0" encoding="utf-8"?>
+<p:sld xmlns:a="http://schemas.openxmlformats.org/drawingml/2006/main" xmlns:r="http://schemas.openxmlformats.org/officeDocument/2006/relationships" xmlns:p="http://schemas.openxmlformats.org/presentationml/2006/main">
+  <p:cSld>
+    <p:spTree>
+      <p:nvGrpSpPr>
+        <p:cNvPr id="1" name=""/>
+        <p:cNvGrpSpPr/>
+        <p:nvPr/>
+      </p:nvGrpSpPr>
+      <p:grpSpPr>
+        <a:xfrm>
+          <a:off x="0" y="0"/>
+          <a:ext cx="0" cy="0"/>
+          <a:chOff x="0" y="0"/>
+          <a:chExt cx="0" cy="0"/>
+        </a:xfrm>
+      </p:grpSpPr>
+      <p:sp>
+        <p:nvSpPr>
+          <p:cNvPr id="5" name="직사각형 4">
+            <a:extLst>
+              <a:ext uri="{FF2B5EF4-FFF2-40B4-BE49-F238E27FC236}">
+                <a16:creationId xmlns:a16="http://schemas.microsoft.com/office/drawing/2014/main" id="{B3BCBC1E-0CFA-4F3B-97BB-2F3DDEE5953A}"/>
+              </a:ext>
+            </a:extLst>
+          </p:cNvPr>
+          <p:cNvSpPr/>
+          <p:nvPr/>
+        </p:nvSpPr>
+        <p:spPr>
+          <a:xfrm>
+            <a:off x="1586143" y="1020932"/>
+            <a:ext cx="9268287" cy="115409"/>
+          </a:xfrm>
+          <a:prstGeom prst="rect">
+            <a:avLst/>
+          </a:prstGeom>
+        </p:spPr>
+        <p:style>
+          <a:lnRef idx="2">
+            <a:schemeClr val="accent1">
+              <a:shade val="50000"/>
+            </a:schemeClr>
+          </a:lnRef>
+          <a:fillRef idx="1">
+            <a:schemeClr val="accent1"/>
+          </a:fillRef>
+          <a:effectRef idx="0">
+            <a:schemeClr val="accent1"/>
+          </a:effectRef>
+          <a:fontRef idx="minor">
+            <a:schemeClr val="lt1"/>
+          </a:fontRef>
+        </p:style>
+        <p:txBody>
+          <a:bodyPr rtlCol="0" anchor="ctr"/>
+          <a:lstStyle/>
+          <a:p>
+            <a:pPr algn="ctr"/>
+            <a:endParaRPr lang="ko-KR" altLang="en-US"/>
+          </a:p>
+        </p:txBody>
+      </p:sp>
+      <p:sp>
+        <p:nvSpPr>
+          <p:cNvPr id="6" name="TextBox 5">
+            <a:extLst>
+              <a:ext uri="{FF2B5EF4-FFF2-40B4-BE49-F238E27FC236}">
+                <a16:creationId xmlns:a16="http://schemas.microsoft.com/office/drawing/2014/main" id="{13DE9146-974D-4A67-B81D-30E88F3533C1}"/>
+              </a:ext>
+            </a:extLst>
+          </p:cNvPr>
+          <p:cNvSpPr txBox="1"/>
+          <p:nvPr/>
+        </p:nvSpPr>
+        <p:spPr>
+          <a:xfrm>
+            <a:off x="1704513" y="620822"/>
             <a:ext cx="954107" cy="400110"/>
           </a:xfrm>
           <a:prstGeom prst="rect">
@@ -7005,6 +7427,52 @@
           </a:prstGeom>
         </p:spPr>
       </p:pic>
+      <p:sp>
+        <p:nvSpPr>
+          <p:cNvPr id="7" name="직사각형 6">
+            <a:extLst>
+              <a:ext uri="{FF2B5EF4-FFF2-40B4-BE49-F238E27FC236}">
+                <a16:creationId xmlns:a16="http://schemas.microsoft.com/office/drawing/2014/main" id="{B53D20DB-D2BC-478F-BF9E-C1FA7D8A7478}"/>
+              </a:ext>
+            </a:extLst>
+          </p:cNvPr>
+          <p:cNvSpPr/>
+          <p:nvPr/>
+        </p:nvSpPr>
+        <p:spPr>
+          <a:xfrm>
+            <a:off x="1586143" y="6121769"/>
+            <a:ext cx="9268287" cy="115409"/>
+          </a:xfrm>
+          <a:prstGeom prst="rect">
+            <a:avLst/>
+          </a:prstGeom>
+        </p:spPr>
+        <p:style>
+          <a:lnRef idx="2">
+            <a:schemeClr val="accent1">
+              <a:shade val="50000"/>
+            </a:schemeClr>
+          </a:lnRef>
+          <a:fillRef idx="1">
+            <a:schemeClr val="accent1"/>
+          </a:fillRef>
+          <a:effectRef idx="0">
+            <a:schemeClr val="accent1"/>
+          </a:effectRef>
+          <a:fontRef idx="minor">
+            <a:schemeClr val="lt1"/>
+          </a:fontRef>
+        </p:style>
+        <p:txBody>
+          <a:bodyPr rtlCol="0" anchor="ctr"/>
+          <a:lstStyle/>
+          <a:p>
+            <a:pPr algn="ctr"/>
+            <a:endParaRPr lang="ko-KR" altLang="en-US"/>
+          </a:p>
+        </p:txBody>
+      </p:sp>
     </p:spTree>
     <p:extLst>
       <p:ext uri="{BB962C8B-B14F-4D97-AF65-F5344CB8AC3E}">
@@ -7181,6 +7649,52 @@
           </a:p>
         </p:txBody>
       </p:sp>
+      <p:sp>
+        <p:nvSpPr>
+          <p:cNvPr id="7" name="직사각형 6">
+            <a:extLst>
+              <a:ext uri="{FF2B5EF4-FFF2-40B4-BE49-F238E27FC236}">
+                <a16:creationId xmlns:a16="http://schemas.microsoft.com/office/drawing/2014/main" id="{A467996B-86D8-4808-BD14-75A3FDE9F5CC}"/>
+              </a:ext>
+            </a:extLst>
+          </p:cNvPr>
+          <p:cNvSpPr/>
+          <p:nvPr/>
+        </p:nvSpPr>
+        <p:spPr>
+          <a:xfrm>
+            <a:off x="1586143" y="6121769"/>
+            <a:ext cx="9268287" cy="115409"/>
+          </a:xfrm>
+          <a:prstGeom prst="rect">
+            <a:avLst/>
+          </a:prstGeom>
+        </p:spPr>
+        <p:style>
+          <a:lnRef idx="2">
+            <a:schemeClr val="accent1">
+              <a:shade val="50000"/>
+            </a:schemeClr>
+          </a:lnRef>
+          <a:fillRef idx="1">
+            <a:schemeClr val="accent1"/>
+          </a:fillRef>
+          <a:effectRef idx="0">
+            <a:schemeClr val="accent1"/>
+          </a:effectRef>
+          <a:fontRef idx="minor">
+            <a:schemeClr val="lt1"/>
+          </a:fontRef>
+        </p:style>
+        <p:txBody>
+          <a:bodyPr rtlCol="0" anchor="ctr"/>
+          <a:lstStyle/>
+          <a:p>
+            <a:pPr algn="ctr"/>
+            <a:endParaRPr lang="ko-KR" altLang="en-US"/>
+          </a:p>
+        </p:txBody>
+      </p:sp>
     </p:spTree>
     <p:extLst>
       <p:ext uri="{BB962C8B-B14F-4D97-AF65-F5344CB8AC3E}">
@@ -7353,6 +7867,52 @@
           </a:p>
         </p:txBody>
       </p:sp>
+      <p:sp>
+        <p:nvSpPr>
+          <p:cNvPr id="7" name="직사각형 6">
+            <a:extLst>
+              <a:ext uri="{FF2B5EF4-FFF2-40B4-BE49-F238E27FC236}">
+                <a16:creationId xmlns:a16="http://schemas.microsoft.com/office/drawing/2014/main" id="{55665FB5-057B-4596-A8A9-044FA0B73D60}"/>
+              </a:ext>
+            </a:extLst>
+          </p:cNvPr>
+          <p:cNvSpPr/>
+          <p:nvPr/>
+        </p:nvSpPr>
+        <p:spPr>
+          <a:xfrm>
+            <a:off x="1586143" y="6121769"/>
+            <a:ext cx="9268287" cy="115409"/>
+          </a:xfrm>
+          <a:prstGeom prst="rect">
+            <a:avLst/>
+          </a:prstGeom>
+        </p:spPr>
+        <p:style>
+          <a:lnRef idx="2">
+            <a:schemeClr val="accent1">
+              <a:shade val="50000"/>
+            </a:schemeClr>
+          </a:lnRef>
+          <a:fillRef idx="1">
+            <a:schemeClr val="accent1"/>
+          </a:fillRef>
+          <a:effectRef idx="0">
+            <a:schemeClr val="accent1"/>
+          </a:effectRef>
+          <a:fontRef idx="minor">
+            <a:schemeClr val="lt1"/>
+          </a:fontRef>
+        </p:style>
+        <p:txBody>
+          <a:bodyPr rtlCol="0" anchor="ctr"/>
+          <a:lstStyle/>
+          <a:p>
+            <a:pPr algn="ctr"/>
+            <a:endParaRPr lang="ko-KR" altLang="en-US"/>
+          </a:p>
+        </p:txBody>
+      </p:sp>
     </p:spTree>
     <p:extLst>
       <p:ext uri="{BB962C8B-B14F-4D97-AF65-F5344CB8AC3E}">
@@ -7444,7 +8004,7 @@
         <p:spPr>
           <a:xfrm>
             <a:off x="1704513" y="620822"/>
-            <a:ext cx="712054" cy="400110"/>
+            <a:ext cx="803425" cy="400110"/>
           </a:xfrm>
           <a:prstGeom prst="rect">
             <a:avLst/>
@@ -7458,12 +8018,8 @@
           <a:lstStyle/>
           <a:p>
             <a:r>
-              <a:rPr lang="en-US" altLang="ko-KR" sz="2000" dirty="0" err="1"/>
-              <a:t>Zsh</a:t>
-            </a:r>
-            <a:r>
               <a:rPr lang="en-US" altLang="ko-KR" sz="2000" dirty="0"/>
-              <a:t>?</a:t>
+              <a:t>Shell?</a:t>
             </a:r>
             <a:endParaRPr lang="ko-KR" altLang="en-US" sz="2000" dirty="0"/>
           </a:p>
@@ -7551,7 +8107,7 @@
         </p:nvSpPr>
         <p:spPr>
           <a:xfrm>
-            <a:off x="3185940" y="4368343"/>
+            <a:off x="3185940" y="4251315"/>
             <a:ext cx="848310" cy="276999"/>
           </a:xfrm>
           <a:prstGeom prst="rect">
@@ -7598,7 +8154,7 @@
         </p:nvSpPr>
         <p:spPr>
           <a:xfrm>
-            <a:off x="8433972" y="4370948"/>
+            <a:off x="8433972" y="4251314"/>
             <a:ext cx="769763" cy="276999"/>
           </a:xfrm>
           <a:prstGeom prst="rect">
@@ -7714,6 +8270,52 @@
           </a:prstGeom>
         </p:spPr>
       </p:pic>
+      <p:sp>
+        <p:nvSpPr>
+          <p:cNvPr id="9" name="직사각형 8">
+            <a:extLst>
+              <a:ext uri="{FF2B5EF4-FFF2-40B4-BE49-F238E27FC236}">
+                <a16:creationId xmlns:a16="http://schemas.microsoft.com/office/drawing/2014/main" id="{503E1B99-E119-4C90-B98F-B65001BE61CA}"/>
+              </a:ext>
+            </a:extLst>
+          </p:cNvPr>
+          <p:cNvSpPr/>
+          <p:nvPr/>
+        </p:nvSpPr>
+        <p:spPr>
+          <a:xfrm>
+            <a:off x="1586143" y="6121769"/>
+            <a:ext cx="9268287" cy="115409"/>
+          </a:xfrm>
+          <a:prstGeom prst="rect">
+            <a:avLst/>
+          </a:prstGeom>
+        </p:spPr>
+        <p:style>
+          <a:lnRef idx="2">
+            <a:schemeClr val="accent1">
+              <a:shade val="50000"/>
+            </a:schemeClr>
+          </a:lnRef>
+          <a:fillRef idx="1">
+            <a:schemeClr val="accent1"/>
+          </a:fillRef>
+          <a:effectRef idx="0">
+            <a:schemeClr val="accent1"/>
+          </a:effectRef>
+          <a:fontRef idx="minor">
+            <a:schemeClr val="lt1"/>
+          </a:fontRef>
+        </p:style>
+        <p:txBody>
+          <a:bodyPr rtlCol="0" anchor="ctr"/>
+          <a:lstStyle/>
+          <a:p>
+            <a:pPr algn="ctr"/>
+            <a:endParaRPr lang="ko-KR" altLang="en-US"/>
+          </a:p>
+        </p:txBody>
+      </p:sp>
     </p:spTree>
     <p:extLst>
       <p:ext uri="{BB962C8B-B14F-4D97-AF65-F5344CB8AC3E}">
@@ -7848,8 +8450,8 @@
         </p:nvSpPr>
         <p:spPr>
           <a:xfrm>
-            <a:off x="3408420" y="3429000"/>
-            <a:ext cx="5375190" cy="523220"/>
+            <a:off x="4148191" y="5151127"/>
+            <a:ext cx="3895618" cy="400110"/>
           </a:xfrm>
           <a:prstGeom prst="rect">
             <a:avLst/>
@@ -7863,7 +8465,7 @@
           <a:p>
             <a:pPr algn="ctr"/>
             <a:r>
-              <a:rPr lang="en-US" altLang="ko-KR" sz="2800" dirty="0" err="1">
+              <a:rPr lang="en-US" altLang="ko-KR" sz="2000" dirty="0" err="1">
                 <a:latin typeface="Malgun Gothic Semilight" panose="020B0502040204020203" pitchFamily="50" charset="-127"/>
                 <a:ea typeface="Malgun Gothic Semilight" panose="020B0502040204020203" pitchFamily="50" charset="-127"/>
                 <a:cs typeface="Malgun Gothic Semilight" panose="020B0502040204020203" pitchFamily="50" charset="-127"/>
@@ -7871,7 +8473,7 @@
               <a:t>Zsh</a:t>
             </a:r>
             <a:r>
-              <a:rPr lang="en-US" altLang="ko-KR" sz="2800" dirty="0">
+              <a:rPr lang="en-US" altLang="ko-KR" sz="2000" dirty="0">
                 <a:latin typeface="Malgun Gothic Semilight" panose="020B0502040204020203" pitchFamily="50" charset="-127"/>
                 <a:ea typeface="Malgun Gothic Semilight" panose="020B0502040204020203" pitchFamily="50" charset="-127"/>
                 <a:cs typeface="Malgun Gothic Semilight" panose="020B0502040204020203" pitchFamily="50" charset="-127"/>
@@ -7879,7 +8481,7 @@
               <a:t> Shell</a:t>
             </a:r>
             <a:r>
-              <a:rPr lang="ko-KR" altLang="en-US" sz="2800" dirty="0">
+              <a:rPr lang="ko-KR" altLang="en-US" sz="2000" dirty="0">
                 <a:latin typeface="Malgun Gothic Semilight" panose="020B0502040204020203" pitchFamily="50" charset="-127"/>
                 <a:ea typeface="Malgun Gothic Semilight" panose="020B0502040204020203" pitchFamily="50" charset="-127"/>
                 <a:cs typeface="Malgun Gothic Semilight" panose="020B0502040204020203" pitchFamily="50" charset="-127"/>
@@ -7887,7 +8489,7 @@
               <a:t>의 </a:t>
             </a:r>
             <a:r>
-              <a:rPr lang="ko-KR" altLang="en-US" sz="2800" dirty="0" err="1">
+              <a:rPr lang="ko-KR" altLang="en-US" sz="2000" dirty="0" err="1">
                 <a:latin typeface="Malgun Gothic Semilight" panose="020B0502040204020203" pitchFamily="50" charset="-127"/>
                 <a:ea typeface="Malgun Gothic Semilight" panose="020B0502040204020203" pitchFamily="50" charset="-127"/>
                 <a:cs typeface="Malgun Gothic Semilight" panose="020B0502040204020203" pitchFamily="50" charset="-127"/>
@@ -7895,7 +8497,7 @@
               <a:t>커스텀용</a:t>
             </a:r>
             <a:r>
-              <a:rPr lang="ko-KR" altLang="en-US" sz="2800" dirty="0">
+              <a:rPr lang="ko-KR" altLang="en-US" sz="2000" dirty="0">
                 <a:latin typeface="Malgun Gothic Semilight" panose="020B0502040204020203" pitchFamily="50" charset="-127"/>
                 <a:ea typeface="Malgun Gothic Semilight" panose="020B0502040204020203" pitchFamily="50" charset="-127"/>
                 <a:cs typeface="Malgun Gothic Semilight" panose="020B0502040204020203" pitchFamily="50" charset="-127"/>
@@ -7905,6 +8507,124 @@
           </a:p>
         </p:txBody>
       </p:sp>
+      <p:sp>
+        <p:nvSpPr>
+          <p:cNvPr id="8" name="직사각형 7">
+            <a:extLst>
+              <a:ext uri="{FF2B5EF4-FFF2-40B4-BE49-F238E27FC236}">
+                <a16:creationId xmlns:a16="http://schemas.microsoft.com/office/drawing/2014/main" id="{96DD7EAB-A489-4243-9E2A-C6A3F385DAA1}"/>
+              </a:ext>
+            </a:extLst>
+          </p:cNvPr>
+          <p:cNvSpPr/>
+          <p:nvPr/>
+        </p:nvSpPr>
+        <p:spPr>
+          <a:xfrm>
+            <a:off x="1586143" y="6121769"/>
+            <a:ext cx="9268287" cy="115409"/>
+          </a:xfrm>
+          <a:prstGeom prst="rect">
+            <a:avLst/>
+          </a:prstGeom>
+        </p:spPr>
+        <p:style>
+          <a:lnRef idx="2">
+            <a:schemeClr val="accent1">
+              <a:shade val="50000"/>
+            </a:schemeClr>
+          </a:lnRef>
+          <a:fillRef idx="1">
+            <a:schemeClr val="accent1"/>
+          </a:fillRef>
+          <a:effectRef idx="0">
+            <a:schemeClr val="accent1"/>
+          </a:effectRef>
+          <a:fontRef idx="minor">
+            <a:schemeClr val="lt1"/>
+          </a:fontRef>
+        </p:style>
+        <p:txBody>
+          <a:bodyPr rtlCol="0" anchor="ctr"/>
+          <a:lstStyle/>
+          <a:p>
+            <a:pPr algn="ctr"/>
+            <a:endParaRPr lang="ko-KR" altLang="en-US"/>
+          </a:p>
+        </p:txBody>
+      </p:sp>
+      <p:pic>
+        <p:nvPicPr>
+          <p:cNvPr id="9" name="그림 8">
+            <a:extLst>
+              <a:ext uri="{FF2B5EF4-FFF2-40B4-BE49-F238E27FC236}">
+                <a16:creationId xmlns:a16="http://schemas.microsoft.com/office/drawing/2014/main" id="{B43EC266-1365-4AEF-9A1C-486D9FB1F927}"/>
+              </a:ext>
+            </a:extLst>
+          </p:cNvPr>
+          <p:cNvPicPr>
+            <a:picLocks noChangeAspect="1"/>
+          </p:cNvPicPr>
+          <p:nvPr/>
+        </p:nvPicPr>
+        <p:blipFill>
+          <a:blip r:embed="rId3">
+            <a:extLst>
+              <a:ext uri="{28A0092B-C50C-407E-A947-70E740481C1C}">
+                <a14:useLocalDpi xmlns:a14="http://schemas.microsoft.com/office/drawing/2010/main" val="0"/>
+              </a:ext>
+            </a:extLst>
+          </a:blip>
+          <a:stretch>
+            <a:fillRect/>
+          </a:stretch>
+        </p:blipFill>
+        <p:spPr>
+          <a:xfrm>
+            <a:off x="953444" y="1876410"/>
+            <a:ext cx="4971809" cy="2534648"/>
+          </a:xfrm>
+          <a:prstGeom prst="rect">
+            <a:avLst/>
+          </a:prstGeom>
+        </p:spPr>
+      </p:pic>
+      <p:pic>
+        <p:nvPicPr>
+          <p:cNvPr id="3" name="그림 2">
+            <a:extLst>
+              <a:ext uri="{FF2B5EF4-FFF2-40B4-BE49-F238E27FC236}">
+                <a16:creationId xmlns:a16="http://schemas.microsoft.com/office/drawing/2014/main" id="{CD654531-FD8C-42AE-8203-EBDBD554E5BC}"/>
+              </a:ext>
+            </a:extLst>
+          </p:cNvPr>
+          <p:cNvPicPr>
+            <a:picLocks noChangeAspect="1"/>
+          </p:cNvPicPr>
+          <p:nvPr/>
+        </p:nvPicPr>
+        <p:blipFill>
+          <a:blip r:embed="rId4">
+            <a:extLst>
+              <a:ext uri="{28A0092B-C50C-407E-A947-70E740481C1C}">
+                <a14:useLocalDpi xmlns:a14="http://schemas.microsoft.com/office/drawing/2010/main" val="0"/>
+              </a:ext>
+            </a:extLst>
+          </a:blip>
+          <a:stretch>
+            <a:fillRect/>
+          </a:stretch>
+        </p:blipFill>
+        <p:spPr>
+          <a:xfrm>
+            <a:off x="6462531" y="1982183"/>
+            <a:ext cx="4676775" cy="2428875"/>
+          </a:xfrm>
+          <a:prstGeom prst="rect">
+            <a:avLst/>
+          </a:prstGeom>
+        </p:spPr>
+      </p:pic>
     </p:spTree>
     <p:extLst>
       <p:ext uri="{BB962C8B-B14F-4D97-AF65-F5344CB8AC3E}">
@@ -7915,6 +8635,142 @@
   <p:clrMapOvr>
     <a:masterClrMapping/>
   </p:clrMapOvr>
+  <p:timing>
+    <p:tnLst>
+      <p:par>
+        <p:cTn id="1" dur="indefinite" restart="never" nodeType="tmRoot">
+          <p:childTnLst>
+            <p:seq concurrent="1" nextAc="seek">
+              <p:cTn id="2" dur="indefinite" nodeType="mainSeq">
+                <p:childTnLst>
+                  <p:par>
+                    <p:cTn id="3" fill="hold">
+                      <p:stCondLst>
+                        <p:cond delay="indefinite"/>
+                      </p:stCondLst>
+                      <p:childTnLst>
+                        <p:par>
+                          <p:cTn id="4" fill="hold">
+                            <p:stCondLst>
+                              <p:cond delay="0"/>
+                            </p:stCondLst>
+                            <p:childTnLst>
+                              <p:par>
+                                <p:cTn id="5" presetID="10" presetClass="entr" presetSubtype="0" fill="hold" nodeType="clickEffect">
+                                  <p:stCondLst>
+                                    <p:cond delay="0"/>
+                                  </p:stCondLst>
+                                  <p:childTnLst>
+                                    <p:set>
+                                      <p:cBhvr>
+                                        <p:cTn id="6" dur="1" fill="hold">
+                                          <p:stCondLst>
+                                            <p:cond delay="0"/>
+                                          </p:stCondLst>
+                                        </p:cTn>
+                                        <p:tgtEl>
+                                          <p:spTgt spid="9"/>
+                                        </p:tgtEl>
+                                        <p:attrNameLst>
+                                          <p:attrName>style.visibility</p:attrName>
+                                        </p:attrNameLst>
+                                      </p:cBhvr>
+                                      <p:to>
+                                        <p:strVal val="visible"/>
+                                      </p:to>
+                                    </p:set>
+                                    <p:animEffect transition="in" filter="fade">
+                                      <p:cBhvr>
+                                        <p:cTn id="7" dur="500"/>
+                                        <p:tgtEl>
+                                          <p:spTgt spid="9"/>
+                                        </p:tgtEl>
+                                      </p:cBhvr>
+                                    </p:animEffect>
+                                  </p:childTnLst>
+                                </p:cTn>
+                              </p:par>
+                            </p:childTnLst>
+                          </p:cTn>
+                        </p:par>
+                      </p:childTnLst>
+                    </p:cTn>
+                  </p:par>
+                  <p:par>
+                    <p:cTn id="8" fill="hold">
+                      <p:stCondLst>
+                        <p:cond delay="indefinite"/>
+                      </p:stCondLst>
+                      <p:childTnLst>
+                        <p:par>
+                          <p:cTn id="9" fill="hold">
+                            <p:stCondLst>
+                              <p:cond delay="0"/>
+                            </p:stCondLst>
+                            <p:childTnLst>
+                              <p:par>
+                                <p:cTn id="10" presetID="10" presetClass="entr" presetSubtype="0" fill="hold" nodeType="clickEffect">
+                                  <p:stCondLst>
+                                    <p:cond delay="0"/>
+                                  </p:stCondLst>
+                                  <p:childTnLst>
+                                    <p:set>
+                                      <p:cBhvr>
+                                        <p:cTn id="11" dur="1" fill="hold">
+                                          <p:stCondLst>
+                                            <p:cond delay="0"/>
+                                          </p:stCondLst>
+                                        </p:cTn>
+                                        <p:tgtEl>
+                                          <p:spTgt spid="3"/>
+                                        </p:tgtEl>
+                                        <p:attrNameLst>
+                                          <p:attrName>style.visibility</p:attrName>
+                                        </p:attrNameLst>
+                                      </p:cBhvr>
+                                      <p:to>
+                                        <p:strVal val="visible"/>
+                                      </p:to>
+                                    </p:set>
+                                    <p:animEffect transition="in" filter="fade">
+                                      <p:cBhvr>
+                                        <p:cTn id="12" dur="500"/>
+                                        <p:tgtEl>
+                                          <p:spTgt spid="3"/>
+                                        </p:tgtEl>
+                                      </p:cBhvr>
+                                    </p:animEffect>
+                                  </p:childTnLst>
+                                </p:cTn>
+                              </p:par>
+                            </p:childTnLst>
+                          </p:cTn>
+                        </p:par>
+                      </p:childTnLst>
+                    </p:cTn>
+                  </p:par>
+                </p:childTnLst>
+              </p:cTn>
+              <p:prevCondLst>
+                <p:cond evt="onPrev" delay="0">
+                  <p:tgtEl>
+                    <p:sldTgt/>
+                  </p:tgtEl>
+                </p:cond>
+              </p:prevCondLst>
+              <p:nextCondLst>
+                <p:cond evt="onNext" delay="0">
+                  <p:tgtEl>
+                    <p:sldTgt/>
+                  </p:tgtEl>
+                </p:cond>
+              </p:nextCondLst>
+            </p:seq>
+          </p:childTnLst>
+        </p:cTn>
+      </p:par>
+    </p:tnLst>
+  </p:timing>
 </p:sld>
 </file>
 
@@ -8114,6 +8970,52 @@
               <a:ea typeface="Malgun Gothic Semilight" panose="020B0502040204020203" pitchFamily="50" charset="-127"/>
               <a:cs typeface="Malgun Gothic Semilight" panose="020B0502040204020203" pitchFamily="50" charset="-127"/>
             </a:endParaRPr>
+          </a:p>
+        </p:txBody>
+      </p:sp>
+      <p:sp>
+        <p:nvSpPr>
+          <p:cNvPr id="7" name="직사각형 6">
+            <a:extLst>
+              <a:ext uri="{FF2B5EF4-FFF2-40B4-BE49-F238E27FC236}">
+                <a16:creationId xmlns:a16="http://schemas.microsoft.com/office/drawing/2014/main" id="{6D7278DF-D96F-4316-A668-38F2B942FBDC}"/>
+              </a:ext>
+            </a:extLst>
+          </p:cNvPr>
+          <p:cNvSpPr/>
+          <p:nvPr/>
+        </p:nvSpPr>
+        <p:spPr>
+          <a:xfrm>
+            <a:off x="1586143" y="6121769"/>
+            <a:ext cx="9268287" cy="115409"/>
+          </a:xfrm>
+          <a:prstGeom prst="rect">
+            <a:avLst/>
+          </a:prstGeom>
+        </p:spPr>
+        <p:style>
+          <a:lnRef idx="2">
+            <a:schemeClr val="accent1">
+              <a:shade val="50000"/>
+            </a:schemeClr>
+          </a:lnRef>
+          <a:fillRef idx="1">
+            <a:schemeClr val="accent1"/>
+          </a:fillRef>
+          <a:effectRef idx="0">
+            <a:schemeClr val="accent1"/>
+          </a:effectRef>
+          <a:fontRef idx="minor">
+            <a:schemeClr val="lt1"/>
+          </a:fontRef>
+        </p:style>
+        <p:txBody>
+          <a:bodyPr rtlCol="0" anchor="ctr"/>
+          <a:lstStyle/>
+          <a:p>
+            <a:pPr algn="ctr"/>
+            <a:endParaRPr lang="ko-KR" altLang="en-US"/>
           </a:p>
         </p:txBody>
       </p:sp>
@@ -8251,7 +9153,7 @@
         </p:nvSpPr>
         <p:spPr>
           <a:xfrm>
-            <a:off x="4544132" y="6045865"/>
+            <a:off x="4508865" y="5512862"/>
             <a:ext cx="3174267" cy="400110"/>
           </a:xfrm>
           <a:prstGeom prst="rect">
@@ -8320,8 +9222,8 @@
         </p:blipFill>
         <p:spPr>
           <a:xfrm>
-            <a:off x="3445765" y="1268155"/>
-            <a:ext cx="5300470" cy="4321690"/>
+            <a:off x="3949281" y="1345138"/>
+            <a:ext cx="4293437" cy="3500615"/>
           </a:xfrm>
           <a:prstGeom prst="rect">
             <a:avLst/>
@@ -8342,7 +9244,7 @@
         </p:nvSpPr>
         <p:spPr>
           <a:xfrm>
-            <a:off x="4207555" y="5621624"/>
+            <a:off x="4207555" y="4843947"/>
             <a:ext cx="4025461" cy="215444"/>
           </a:xfrm>
           <a:prstGeom prst="rect">
@@ -8384,6 +9286,52 @@
               <a:ea typeface="Malgun Gothic Semilight" panose="020B0502040204020203" pitchFamily="50" charset="-127"/>
               <a:cs typeface="Malgun Gothic Semilight" panose="020B0502040204020203" pitchFamily="50" charset="-127"/>
             </a:endParaRPr>
+          </a:p>
+        </p:txBody>
+      </p:sp>
+      <p:sp>
+        <p:nvSpPr>
+          <p:cNvPr id="8" name="직사각형 7">
+            <a:extLst>
+              <a:ext uri="{FF2B5EF4-FFF2-40B4-BE49-F238E27FC236}">
+                <a16:creationId xmlns:a16="http://schemas.microsoft.com/office/drawing/2014/main" id="{E8FFDE33-8705-4908-AFB1-DB6D28327360}"/>
+              </a:ext>
+            </a:extLst>
+          </p:cNvPr>
+          <p:cNvSpPr/>
+          <p:nvPr/>
+        </p:nvSpPr>
+        <p:spPr>
+          <a:xfrm>
+            <a:off x="1586143" y="6121769"/>
+            <a:ext cx="9268287" cy="115409"/>
+          </a:xfrm>
+          <a:prstGeom prst="rect">
+            <a:avLst/>
+          </a:prstGeom>
+        </p:spPr>
+        <p:style>
+          <a:lnRef idx="2">
+            <a:schemeClr val="accent1">
+              <a:shade val="50000"/>
+            </a:schemeClr>
+          </a:lnRef>
+          <a:fillRef idx="1">
+            <a:schemeClr val="accent1"/>
+          </a:fillRef>
+          <a:effectRef idx="0">
+            <a:schemeClr val="accent1"/>
+          </a:effectRef>
+          <a:fontRef idx="minor">
+            <a:schemeClr val="lt1"/>
+          </a:fontRef>
+        </p:style>
+        <p:txBody>
+          <a:bodyPr rtlCol="0" anchor="ctr"/>
+          <a:lstStyle/>
+          <a:p>
+            <a:pPr algn="ctr"/>
+            <a:endParaRPr lang="ko-KR" altLang="en-US"/>
           </a:p>
         </p:txBody>
       </p:sp>
@@ -8641,6 +9589,52 @@
           </a:prstGeom>
         </p:spPr>
       </p:pic>
+      <p:sp>
+        <p:nvSpPr>
+          <p:cNvPr id="7" name="직사각형 6">
+            <a:extLst>
+              <a:ext uri="{FF2B5EF4-FFF2-40B4-BE49-F238E27FC236}">
+                <a16:creationId xmlns:a16="http://schemas.microsoft.com/office/drawing/2014/main" id="{86987B83-828E-4CB9-A890-5B75C3CD9640}"/>
+              </a:ext>
+            </a:extLst>
+          </p:cNvPr>
+          <p:cNvSpPr/>
+          <p:nvPr/>
+        </p:nvSpPr>
+        <p:spPr>
+          <a:xfrm>
+            <a:off x="1586143" y="6121769"/>
+            <a:ext cx="9268287" cy="115409"/>
+          </a:xfrm>
+          <a:prstGeom prst="rect">
+            <a:avLst/>
+          </a:prstGeom>
+        </p:spPr>
+        <p:style>
+          <a:lnRef idx="2">
+            <a:schemeClr val="accent1">
+              <a:shade val="50000"/>
+            </a:schemeClr>
+          </a:lnRef>
+          <a:fillRef idx="1">
+            <a:schemeClr val="accent1"/>
+          </a:fillRef>
+          <a:effectRef idx="0">
+            <a:schemeClr val="accent1"/>
+          </a:effectRef>
+          <a:fontRef idx="minor">
+            <a:schemeClr val="lt1"/>
+          </a:fontRef>
+        </p:style>
+        <p:txBody>
+          <a:bodyPr rtlCol="0" anchor="ctr"/>
+          <a:lstStyle/>
+          <a:p>
+            <a:pPr algn="ctr"/>
+            <a:endParaRPr lang="ko-KR" altLang="en-US"/>
+          </a:p>
+        </p:txBody>
+      </p:sp>
     </p:spTree>
     <p:extLst>
       <p:ext uri="{BB962C8B-B14F-4D97-AF65-F5344CB8AC3E}">
@@ -8834,6 +9828,52 @@
           </a:prstGeom>
         </p:spPr>
       </p:pic>
+      <p:sp>
+        <p:nvSpPr>
+          <p:cNvPr id="7" name="직사각형 6">
+            <a:extLst>
+              <a:ext uri="{FF2B5EF4-FFF2-40B4-BE49-F238E27FC236}">
+                <a16:creationId xmlns:a16="http://schemas.microsoft.com/office/drawing/2014/main" id="{6D917FF5-9CE3-4CCD-825E-46ED98FEFAED}"/>
+              </a:ext>
+            </a:extLst>
+          </p:cNvPr>
+          <p:cNvSpPr/>
+          <p:nvPr/>
+        </p:nvSpPr>
+        <p:spPr>
+          <a:xfrm>
+            <a:off x="1586143" y="6121769"/>
+            <a:ext cx="9268287" cy="115409"/>
+          </a:xfrm>
+          <a:prstGeom prst="rect">
+            <a:avLst/>
+          </a:prstGeom>
+        </p:spPr>
+        <p:style>
+          <a:lnRef idx="2">
+            <a:schemeClr val="accent1">
+              <a:shade val="50000"/>
+            </a:schemeClr>
+          </a:lnRef>
+          <a:fillRef idx="1">
+            <a:schemeClr val="accent1"/>
+          </a:fillRef>
+          <a:effectRef idx="0">
+            <a:schemeClr val="accent1"/>
+          </a:effectRef>
+          <a:fontRef idx="minor">
+            <a:schemeClr val="lt1"/>
+          </a:fontRef>
+        </p:style>
+        <p:txBody>
+          <a:bodyPr rtlCol="0" anchor="ctr"/>
+          <a:lstStyle/>
+          <a:p>
+            <a:pPr algn="ctr"/>
+            <a:endParaRPr lang="ko-KR" altLang="en-US"/>
+          </a:p>
+        </p:txBody>
+      </p:sp>
     </p:spTree>
     <p:extLst>
       <p:ext uri="{BB962C8B-B14F-4D97-AF65-F5344CB8AC3E}">
@@ -8848,9 +9888,9 @@
 </file>
 
 <file path=ppt/theme/theme1.xml><?xml version="1.0" encoding="utf-8"?>
-<a:theme xmlns:a="http://schemas.openxmlformats.org/drawingml/2006/main" name="Office 테마">
+<a:theme xmlns:a="http://schemas.openxmlformats.org/drawingml/2006/main" name="Office Theme">
   <a:themeElements>
-    <a:clrScheme name="Office">
+    <a:clrScheme name="Office 테마">
       <a:dk1>
         <a:sysClr val="windowText" lastClr="000000"/>
       </a:dk1>
@@ -8864,22 +9904,22 @@
         <a:srgbClr val="E7E6E6"/>
       </a:lt2>
       <a:accent1>
-        <a:srgbClr val="4472C4"/>
+        <a:srgbClr val="1D9A78"/>
       </a:accent1>
       <a:accent2>
-        <a:srgbClr val="ED7D31"/>
+        <a:srgbClr val="8BC145"/>
       </a:accent2>
       <a:accent3>
-        <a:srgbClr val="A5A5A5"/>
+        <a:srgbClr val="36AFCE"/>
       </a:accent3>
       <a:accent4>
-        <a:srgbClr val="FFC000"/>
+        <a:srgbClr val="1D6FA9"/>
       </a:accent4>
       <a:accent5>
-        <a:srgbClr val="5B9BD5"/>
+        <a:srgbClr val="B74919"/>
       </a:accent5>
       <a:accent6>
-        <a:srgbClr val="70AD47"/>
+        <a:srgbClr val="F19D19"/>
       </a:accent6>
       <a:hlink>
         <a:srgbClr val="0563C1"/>
@@ -8888,9 +9928,9 @@
         <a:srgbClr val="954F72"/>
       </a:folHlink>
     </a:clrScheme>
-    <a:fontScheme name="Office">
+    <a:fontScheme name="Office 테마">
       <a:majorFont>
-        <a:latin typeface="맑은 고딕" panose="020F0302020204030204"/>
+        <a:latin typeface="Calibri Light" panose="020F0302020204030204"/>
         <a:ea typeface=""/>
         <a:cs typeface=""/>
         <a:font script="Jpan" typeface="游ゴシック Light"/>
@@ -8923,26 +9963,9 @@
         <a:font script="Viet" typeface="Times New Roman"/>
         <a:font script="Uigh" typeface="Microsoft Uighur"/>
         <a:font script="Geor" typeface="Sylfaen"/>
-        <a:font script="Armn" typeface="Arial"/>
-        <a:font script="Bugi" typeface="Leelawadee UI"/>
-        <a:font script="Bopo" typeface="Microsoft JhengHei"/>
-        <a:font script="Java" typeface="Javanese Text"/>
-        <a:font script="Lisu" typeface="Segoe UI"/>
-        <a:font script="Mymr" typeface="Myanmar Text"/>
-        <a:font script="Nkoo" typeface="Ebrima"/>
-        <a:font script="Olck" typeface="Nirmala UI"/>
-        <a:font script="Osma" typeface="Ebrima"/>
-        <a:font script="Phag" typeface="Phagspa"/>
-        <a:font script="Syrn" typeface="Estrangelo Edessa"/>
-        <a:font script="Syrj" typeface="Estrangelo Edessa"/>
-        <a:font script="Syre" typeface="Estrangelo Edessa"/>
-        <a:font script="Sora" typeface="Nirmala UI"/>
-        <a:font script="Tale" typeface="Microsoft Tai Le"/>
-        <a:font script="Talu" typeface="Microsoft New Tai Lue"/>
-        <a:font script="Tfng" typeface="Ebrima"/>
       </a:majorFont>
       <a:minorFont>
-        <a:latin typeface="맑은 고딕" panose="020F0502020204030204"/>
+        <a:latin typeface="Calibri" panose="020F0502020204030204"/>
         <a:ea typeface=""/>
         <a:cs typeface=""/>
         <a:font script="Jpan" typeface="游ゴシック"/>
@@ -8975,26 +9998,9 @@
         <a:font script="Viet" typeface="Arial"/>
         <a:font script="Uigh" typeface="Microsoft Uighur"/>
         <a:font script="Geor" typeface="Sylfaen"/>
-        <a:font script="Armn" typeface="Arial"/>
-        <a:font script="Bugi" typeface="Leelawadee UI"/>
-        <a:font script="Bopo" typeface="Microsoft JhengHei"/>
-        <a:font script="Java" typeface="Javanese Text"/>
-        <a:font script="Lisu" typeface="Segoe UI"/>
-        <a:font script="Mymr" typeface="Myanmar Text"/>
-        <a:font script="Nkoo" typeface="Ebrima"/>
-        <a:font script="Olck" typeface="Nirmala UI"/>
-        <a:font script="Osma" typeface="Ebrima"/>
-        <a:font script="Phag" typeface="Phagspa"/>
-        <a:font script="Syrn" typeface="Estrangelo Edessa"/>
-        <a:font script="Syrj" typeface="Estrangelo Edessa"/>
-        <a:font script="Syre" typeface="Estrangelo Edessa"/>
-        <a:font script="Sora" typeface="Nirmala UI"/>
-        <a:font script="Tale" typeface="Microsoft Tai Le"/>
-        <a:font script="Talu" typeface="Microsoft New Tai Lue"/>
-        <a:font script="Tfng" typeface="Ebrima"/>
       </a:minorFont>
     </a:fontScheme>
-    <a:fmtScheme name="Office">
+    <a:fmtScheme name="Office 테마">
       <a:fillStyleLst>
         <a:solidFill>
           <a:schemeClr val="phClr"/>
@@ -9136,7 +10142,7 @@
   <a:extraClrSchemeLst/>
   <a:extLst>
     <a:ext uri="{05A4C25C-085E-4340-85A3-A5531E510DB2}">
-      <thm15:themeFamily xmlns:thm15="http://schemas.microsoft.com/office/thememl/2012/main" name="Office Theme" id="{62F939B6-93AF-4DB8-9C6B-D6C7DFDC589F}" vid="{4A3C46E8-61CC-4603-A589-7422A47A8E4A}"/>
+      <thm15:themeFamily xmlns:thm15="http://schemas.microsoft.com/office/thememl/2012/main" name="Office Theme" id="{62F939B6-93AF-4DB8-9C6B-D6C7DFDC589F}" vid="{AE6F2518-B084-4896-AF52-66CC2144AA26}"/>
     </a:ext>
   </a:extLst>
 </a:theme>

--- a/Study/OhMyZsh.pptx
+++ b/Study/OhMyZsh.pptx
@@ -212,7 +212,7 @@
           <a:p>
             <a:fld id="{860F6261-D752-47FA-9360-477C4FC813A0}" type="datetimeFigureOut">
               <a:rPr lang="ko-KR" altLang="en-US" smtClean="0"/>
-              <a:t>2018-12-06</a:t>
+              <a:t>2018-12-07</a:t>
             </a:fld>
             <a:endParaRPr lang="ko-KR" altLang="en-US"/>
           </a:p>
@@ -2444,7 +2444,7 @@
           <a:p>
             <a:fld id="{7375CF92-EF9A-4E7C-8197-9037C088131F}" type="datetimeFigureOut">
               <a:rPr lang="ko-KR" altLang="en-US" smtClean="0"/>
-              <a:t>2018-12-06</a:t>
+              <a:t>2018-12-07</a:t>
             </a:fld>
             <a:endParaRPr lang="ko-KR" altLang="en-US"/>
           </a:p>
@@ -2614,7 +2614,7 @@
           <a:p>
             <a:fld id="{7375CF92-EF9A-4E7C-8197-9037C088131F}" type="datetimeFigureOut">
               <a:rPr lang="ko-KR" altLang="en-US" smtClean="0"/>
-              <a:t>2018-12-06</a:t>
+              <a:t>2018-12-07</a:t>
             </a:fld>
             <a:endParaRPr lang="ko-KR" altLang="en-US"/>
           </a:p>
@@ -2794,7 +2794,7 @@
           <a:p>
             <a:fld id="{7375CF92-EF9A-4E7C-8197-9037C088131F}" type="datetimeFigureOut">
               <a:rPr lang="ko-KR" altLang="en-US" smtClean="0"/>
-              <a:t>2018-12-06</a:t>
+              <a:t>2018-12-07</a:t>
             </a:fld>
             <a:endParaRPr lang="ko-KR" altLang="en-US"/>
           </a:p>
@@ -2964,7 +2964,7 @@
           <a:p>
             <a:fld id="{7375CF92-EF9A-4E7C-8197-9037C088131F}" type="datetimeFigureOut">
               <a:rPr lang="ko-KR" altLang="en-US" smtClean="0"/>
-              <a:t>2018-12-06</a:t>
+              <a:t>2018-12-07</a:t>
             </a:fld>
             <a:endParaRPr lang="ko-KR" altLang="en-US"/>
           </a:p>
@@ -3210,7 +3210,7 @@
           <a:p>
             <a:fld id="{7375CF92-EF9A-4E7C-8197-9037C088131F}" type="datetimeFigureOut">
               <a:rPr lang="ko-KR" altLang="en-US" smtClean="0"/>
-              <a:t>2018-12-06</a:t>
+              <a:t>2018-12-07</a:t>
             </a:fld>
             <a:endParaRPr lang="ko-KR" altLang="en-US"/>
           </a:p>
@@ -3442,7 +3442,7 @@
           <a:p>
             <a:fld id="{7375CF92-EF9A-4E7C-8197-9037C088131F}" type="datetimeFigureOut">
               <a:rPr lang="ko-KR" altLang="en-US" smtClean="0"/>
-              <a:t>2018-12-06</a:t>
+              <a:t>2018-12-07</a:t>
             </a:fld>
             <a:endParaRPr lang="ko-KR" altLang="en-US"/>
           </a:p>
@@ -3809,7 +3809,7 @@
           <a:p>
             <a:fld id="{7375CF92-EF9A-4E7C-8197-9037C088131F}" type="datetimeFigureOut">
               <a:rPr lang="ko-KR" altLang="en-US" smtClean="0"/>
-              <a:t>2018-12-06</a:t>
+              <a:t>2018-12-07</a:t>
             </a:fld>
             <a:endParaRPr lang="ko-KR" altLang="en-US"/>
           </a:p>
@@ -3927,7 +3927,7 @@
           <a:p>
             <a:fld id="{7375CF92-EF9A-4E7C-8197-9037C088131F}" type="datetimeFigureOut">
               <a:rPr lang="ko-KR" altLang="en-US" smtClean="0"/>
-              <a:t>2018-12-06</a:t>
+              <a:t>2018-12-07</a:t>
             </a:fld>
             <a:endParaRPr lang="ko-KR" altLang="en-US"/>
           </a:p>
@@ -4022,7 +4022,7 @@
           <a:p>
             <a:fld id="{7375CF92-EF9A-4E7C-8197-9037C088131F}" type="datetimeFigureOut">
               <a:rPr lang="ko-KR" altLang="en-US" smtClean="0"/>
-              <a:t>2018-12-06</a:t>
+              <a:t>2018-12-07</a:t>
             </a:fld>
             <a:endParaRPr lang="ko-KR" altLang="en-US"/>
           </a:p>
@@ -4299,7 +4299,7 @@
           <a:p>
             <a:fld id="{7375CF92-EF9A-4E7C-8197-9037C088131F}" type="datetimeFigureOut">
               <a:rPr lang="ko-KR" altLang="en-US" smtClean="0"/>
-              <a:t>2018-12-06</a:t>
+              <a:t>2018-12-07</a:t>
             </a:fld>
             <a:endParaRPr lang="ko-KR" altLang="en-US"/>
           </a:p>
@@ -4556,7 +4556,7 @@
           <a:p>
             <a:fld id="{7375CF92-EF9A-4E7C-8197-9037C088131F}" type="datetimeFigureOut">
               <a:rPr lang="ko-KR" altLang="en-US" smtClean="0"/>
-              <a:t>2018-12-06</a:t>
+              <a:t>2018-12-07</a:t>
             </a:fld>
             <a:endParaRPr lang="ko-KR" altLang="en-US"/>
           </a:p>
@@ -4769,7 +4769,7 @@
           <a:p>
             <a:fld id="{7375CF92-EF9A-4E7C-8197-9037C088131F}" type="datetimeFigureOut">
               <a:rPr lang="ko-KR" altLang="en-US" smtClean="0"/>
-              <a:t>2018-12-06</a:t>
+              <a:t>2018-12-07</a:t>
             </a:fld>
             <a:endParaRPr lang="ko-KR" altLang="en-US"/>
           </a:p>
@@ -7043,7 +7043,7 @@
         <p:spPr>
           <a:xfrm>
             <a:off x="2402140" y="2244856"/>
-            <a:ext cx="5525451" cy="400110"/>
+            <a:ext cx="6593942" cy="400110"/>
           </a:xfrm>
           <a:prstGeom prst="rect">
             <a:avLst/>
@@ -7064,7 +7064,21 @@
                 <a:latin typeface="+mn-ea"/>
                 <a:cs typeface="Malgun Gothic Semilight" panose="020B0502040204020203" pitchFamily="50" charset="-127"/>
               </a:rPr>
-              <a:t>가독성 향상으로 인한 퍼포먼스 향상</a:t>
+              <a:t>가독성 향상으로 인한 개발</a:t>
+            </a:r>
+            <a:r>
+              <a:rPr lang="en-US" altLang="ko-KR" sz="2000" dirty="0">
+                <a:latin typeface="+mn-ea"/>
+                <a:cs typeface="Malgun Gothic Semilight" panose="020B0502040204020203" pitchFamily="50" charset="-127"/>
+              </a:rPr>
+              <a:t> </a:t>
+            </a:r>
+            <a:r>
+              <a:rPr lang="ko-KR" altLang="en-US" sz="2000" dirty="0">
+                <a:latin typeface="+mn-ea"/>
+                <a:cs typeface="Malgun Gothic Semilight" panose="020B0502040204020203" pitchFamily="50" charset="-127"/>
+              </a:rPr>
+              <a:t>등의 퍼포먼스 향상</a:t>
             </a:r>
             <a:r>
               <a:rPr lang="en-US" altLang="ko-KR" sz="2000" dirty="0">
@@ -7169,7 +7183,7 @@
                 <a:latin typeface="+mn-ea"/>
                 <a:cs typeface="Malgun Gothic Semilight" panose="020B0502040204020203" pitchFamily="50" charset="-127"/>
               </a:rPr>
-              <a:t>써드파티</a:t>
+              <a:t>서드파티</a:t>
             </a:r>
             <a:r>
               <a:rPr lang="ko-KR" altLang="en-US" sz="2000" dirty="0">
